--- a/Auto/splatform/DAC_Demo.pptx
+++ b/Auto/splatform/DAC_Demo.pptx
@@ -6,6 +6,12 @@
   </p:sldMasterIdLst>
   <p:sldIdLst>
     <p:sldId id="256" r:id="rId2"/>
+    <p:sldId id="257" r:id="rId3"/>
+    <p:sldId id="263" r:id="rId4"/>
+    <p:sldId id="264" r:id="rId5"/>
+    <p:sldId id="258" r:id="rId6"/>
+    <p:sldId id="261" r:id="rId7"/>
+    <p:sldId id="260" r:id="rId8"/>
   </p:sldIdLst>
   <p:sldSz cx="9144000" cy="6858000" type="screen4x3"/>
   <p:notesSz cx="6858000" cy="9144000"/>
@@ -289,7 +295,7 @@
             <a:fld id="{1D8BD707-D9CF-40AE-B4C6-C98DA3205C09}" type="datetimeFigureOut">
               <a:rPr lang="en-US" smtClean="0"/>
               <a:pPr/>
-              <a:t>4/9/15</a:t>
+              <a:t>4/15/2015</a:t>
             </a:fld>
             <a:endParaRPr lang="en-US"/>
           </a:p>
@@ -456,7 +462,7 @@
             <a:fld id="{1D8BD707-D9CF-40AE-B4C6-C98DA3205C09}" type="datetimeFigureOut">
               <a:rPr lang="en-US" smtClean="0"/>
               <a:pPr/>
-              <a:t>4/9/15</a:t>
+              <a:t>4/15/2015</a:t>
             </a:fld>
             <a:endParaRPr lang="en-US"/>
           </a:p>
@@ -633,7 +639,7 @@
             <a:fld id="{1D8BD707-D9CF-40AE-B4C6-C98DA3205C09}" type="datetimeFigureOut">
               <a:rPr lang="en-US" smtClean="0"/>
               <a:pPr/>
-              <a:t>4/9/15</a:t>
+              <a:t>4/15/2015</a:t>
             </a:fld>
             <a:endParaRPr lang="en-US"/>
           </a:p>
@@ -800,7 +806,7 @@
             <a:fld id="{1D8BD707-D9CF-40AE-B4C6-C98DA3205C09}" type="datetimeFigureOut">
               <a:rPr lang="en-US" smtClean="0"/>
               <a:pPr/>
-              <a:t>4/9/15</a:t>
+              <a:t>4/15/2015</a:t>
             </a:fld>
             <a:endParaRPr lang="en-US"/>
           </a:p>
@@ -1043,7 +1049,7 @@
             <a:fld id="{1D8BD707-D9CF-40AE-B4C6-C98DA3205C09}" type="datetimeFigureOut">
               <a:rPr lang="en-US" smtClean="0"/>
               <a:pPr/>
-              <a:t>4/9/15</a:t>
+              <a:t>4/15/2015</a:t>
             </a:fld>
             <a:endParaRPr lang="en-US"/>
           </a:p>
@@ -1328,7 +1334,7 @@
             <a:fld id="{1D8BD707-D9CF-40AE-B4C6-C98DA3205C09}" type="datetimeFigureOut">
               <a:rPr lang="en-US" smtClean="0"/>
               <a:pPr/>
-              <a:t>4/9/15</a:t>
+              <a:t>4/15/2015</a:t>
             </a:fld>
             <a:endParaRPr lang="en-US"/>
           </a:p>
@@ -1747,7 +1753,7 @@
             <a:fld id="{1D8BD707-D9CF-40AE-B4C6-C98DA3205C09}" type="datetimeFigureOut">
               <a:rPr lang="en-US" smtClean="0"/>
               <a:pPr/>
-              <a:t>4/9/15</a:t>
+              <a:t>4/15/2015</a:t>
             </a:fld>
             <a:endParaRPr lang="en-US"/>
           </a:p>
@@ -1862,7 +1868,7 @@
             <a:fld id="{1D8BD707-D9CF-40AE-B4C6-C98DA3205C09}" type="datetimeFigureOut">
               <a:rPr lang="en-US" smtClean="0"/>
               <a:pPr/>
-              <a:t>4/9/15</a:t>
+              <a:t>4/15/2015</a:t>
             </a:fld>
             <a:endParaRPr lang="en-US"/>
           </a:p>
@@ -1954,7 +1960,7 @@
             <a:fld id="{1D8BD707-D9CF-40AE-B4C6-C98DA3205C09}" type="datetimeFigureOut">
               <a:rPr lang="en-US" smtClean="0"/>
               <a:pPr/>
-              <a:t>4/9/15</a:t>
+              <a:t>4/15/2015</a:t>
             </a:fld>
             <a:endParaRPr lang="en-US"/>
           </a:p>
@@ -2228,7 +2234,7 @@
             <a:fld id="{1D8BD707-D9CF-40AE-B4C6-C98DA3205C09}" type="datetimeFigureOut">
               <a:rPr lang="en-US" smtClean="0"/>
               <a:pPr/>
-              <a:t>4/9/15</a:t>
+              <a:t>4/15/2015</a:t>
             </a:fld>
             <a:endParaRPr lang="en-US"/>
           </a:p>
@@ -2478,7 +2484,7 @@
             <a:fld id="{1D8BD707-D9CF-40AE-B4C6-C98DA3205C09}" type="datetimeFigureOut">
               <a:rPr lang="en-US" smtClean="0"/>
               <a:pPr/>
-              <a:t>4/9/15</a:t>
+              <a:t>4/15/2015</a:t>
             </a:fld>
             <a:endParaRPr lang="en-US"/>
           </a:p>
@@ -2688,7 +2694,7 @@
             <a:fld id="{1D8BD707-D9CF-40AE-B4C6-C98DA3205C09}" type="datetimeFigureOut">
               <a:rPr lang="en-US" smtClean="0"/>
               <a:pPr/>
-              <a:t>4/9/15</a:t>
+              <a:t>4/15/2015</a:t>
             </a:fld>
             <a:endParaRPr lang="en-US"/>
           </a:p>
@@ -3061,13 +3067,13 @@
       </p:grpSpPr>
       <p:sp>
         <p:nvSpPr>
-          <p:cNvPr id="4" name="TextBox 3"/>
+          <p:cNvPr id="98" name="TextBox 97"/>
           <p:cNvSpPr txBox="1"/>
           <p:nvPr/>
         </p:nvSpPr>
         <p:spPr>
           <a:xfrm>
-            <a:off x="2209800" y="1712893"/>
+            <a:off x="4038600" y="4572000"/>
             <a:ext cx="1066800" cy="954107"/>
           </a:xfrm>
           <a:prstGeom prst="rect">
@@ -3089,36 +3095,41 @@
           <a:bodyPr wrap="square" rtlCol="0">
             <a:spAutoFit/>
           </a:bodyPr>
-          <a:lstStyle/>
-          <a:p>
-            <a:r>
-              <a:rPr lang="en-GB" sz="1400" dirty="0" smtClean="0"/>
-              <a:t>Cluster</a:t>
-            </a:r>
-          </a:p>
-          <a:p>
-            <a:r>
-              <a:rPr lang="en-GB" sz="1400" dirty="0" smtClean="0"/>
-              <a:t>Dual Core</a:t>
-            </a:r>
-          </a:p>
-          <a:p>
-            <a:endParaRPr lang="en-GB" sz="1400" dirty="0"/>
-          </a:p>
-          <a:p>
-            <a:endParaRPr lang="en-GB" sz="1400" dirty="0" smtClean="0"/>
-          </a:p>
-        </p:txBody>
-      </p:sp>
-      <p:sp>
-        <p:nvSpPr>
-          <p:cNvPr id="5" name="TextBox 4"/>
+          <a:lstStyle>
+            <a:defPPr>
+              <a:defRPr lang="en-US"/>
+            </a:defPPr>
+            <a:lvl1pPr>
+              <a:defRPr sz="1400"/>
+            </a:lvl1pPr>
+          </a:lstStyle>
+          <a:p>
+            <a:r>
+              <a:rPr lang="en-GB" dirty="0" smtClean="0"/>
+              <a:t>ABS (4)</a:t>
+            </a:r>
+            <a:endParaRPr lang="en-GB" dirty="0"/>
+          </a:p>
+          <a:p>
+            <a:endParaRPr lang="en-GB" dirty="0" smtClean="0"/>
+          </a:p>
+          <a:p>
+            <a:endParaRPr lang="en-GB" dirty="0"/>
+          </a:p>
+          <a:p>
+            <a:endParaRPr lang="en-GB" dirty="0"/>
+          </a:p>
+        </p:txBody>
+      </p:sp>
+      <p:sp>
+        <p:nvSpPr>
+          <p:cNvPr id="97" name="TextBox 96"/>
           <p:cNvSpPr txBox="1"/>
           <p:nvPr/>
         </p:nvSpPr>
         <p:spPr>
           <a:xfrm>
-            <a:off x="6248400" y="1712893"/>
+            <a:off x="3962400" y="4667054"/>
             <a:ext cx="1066800" cy="954107"/>
           </a:xfrm>
           <a:prstGeom prst="rect">
@@ -3150,14 +3161,15 @@
           </a:lstStyle>
           <a:p>
             <a:r>
-              <a:rPr lang="en-GB" dirty="0"/>
-              <a:t>EMU</a:t>
-            </a:r>
-          </a:p>
-          <a:p>
+              <a:rPr lang="en-GB" dirty="0" smtClean="0"/>
+              <a:t>ABS (4)</a:t>
+            </a:r>
             <a:endParaRPr lang="en-GB" dirty="0"/>
           </a:p>
           <a:p>
+            <a:endParaRPr lang="en-GB" dirty="0" smtClean="0"/>
+          </a:p>
+          <a:p>
             <a:endParaRPr lang="en-GB" dirty="0"/>
           </a:p>
           <a:p>
@@ -3167,13 +3179,13 @@
       </p:sp>
       <p:sp>
         <p:nvSpPr>
-          <p:cNvPr id="6" name="TextBox 5"/>
+          <p:cNvPr id="4" name="TextBox 3"/>
           <p:cNvSpPr txBox="1"/>
           <p:nvPr/>
         </p:nvSpPr>
         <p:spPr>
           <a:xfrm>
-            <a:off x="5181600" y="3846493"/>
+            <a:off x="2667000" y="2703493"/>
             <a:ext cx="1066800" cy="954107"/>
           </a:xfrm>
           <a:prstGeom prst="rect">
@@ -3195,40 +3207,36 @@
           <a:bodyPr wrap="square" rtlCol="0">
             <a:spAutoFit/>
           </a:bodyPr>
-          <a:lstStyle>
-            <a:defPPr>
-              <a:defRPr lang="en-US"/>
-            </a:defPPr>
-            <a:lvl1pPr>
-              <a:defRPr sz="1400"/>
-            </a:lvl1pPr>
-          </a:lstStyle>
-          <a:p>
-            <a:r>
-              <a:rPr lang="en-GB" dirty="0"/>
-              <a:t>ABS</a:t>
-            </a:r>
-          </a:p>
-          <a:p>
-            <a:endParaRPr lang="en-GB" dirty="0"/>
-          </a:p>
-          <a:p>
-            <a:endParaRPr lang="en-GB" dirty="0"/>
-          </a:p>
-          <a:p>
-            <a:endParaRPr lang="en-GB" dirty="0"/>
-          </a:p>
-        </p:txBody>
-      </p:sp>
-      <p:sp>
-        <p:nvSpPr>
-          <p:cNvPr id="7" name="TextBox 6"/>
+          <a:lstStyle/>
+          <a:p>
+            <a:r>
+              <a:rPr lang="en-GB" sz="1400" dirty="0" smtClean="0"/>
+              <a:t>Cluster</a:t>
+            </a:r>
+          </a:p>
+          <a:p>
+            <a:r>
+              <a:rPr lang="en-GB" sz="1400" dirty="0" smtClean="0"/>
+              <a:t>Dual Core</a:t>
+            </a:r>
+          </a:p>
+          <a:p>
+            <a:endParaRPr lang="en-GB" sz="1400" dirty="0"/>
+          </a:p>
+          <a:p>
+            <a:endParaRPr lang="en-GB" sz="1400" dirty="0" smtClean="0"/>
+          </a:p>
+        </p:txBody>
+      </p:sp>
+      <p:sp>
+        <p:nvSpPr>
+          <p:cNvPr id="5" name="TextBox 4"/>
           <p:cNvSpPr txBox="1"/>
           <p:nvPr/>
         </p:nvSpPr>
         <p:spPr>
           <a:xfrm>
-            <a:off x="3048000" y="3846493"/>
+            <a:off x="6248400" y="2932093"/>
             <a:ext cx="1066800" cy="954107"/>
           </a:xfrm>
           <a:prstGeom prst="rect">
@@ -3260,6 +3268,117 @@
           </a:lstStyle>
           <a:p>
             <a:r>
+              <a:rPr lang="en-GB" dirty="0"/>
+              <a:t>EMU</a:t>
+            </a:r>
+          </a:p>
+          <a:p>
+            <a:endParaRPr lang="en-GB" dirty="0"/>
+          </a:p>
+          <a:p>
+            <a:endParaRPr lang="en-GB" dirty="0"/>
+          </a:p>
+          <a:p>
+            <a:endParaRPr lang="en-GB" dirty="0"/>
+          </a:p>
+        </p:txBody>
+      </p:sp>
+      <p:sp>
+        <p:nvSpPr>
+          <p:cNvPr id="6" name="TextBox 5"/>
+          <p:cNvSpPr txBox="1"/>
+          <p:nvPr/>
+        </p:nvSpPr>
+        <p:spPr>
+          <a:xfrm>
+            <a:off x="5334000" y="4760893"/>
+            <a:ext cx="1066800" cy="954107"/>
+          </a:xfrm>
+          <a:prstGeom prst="rect">
+            <a:avLst/>
+          </a:prstGeom>
+          <a:solidFill>
+            <a:schemeClr val="accent2">
+              <a:lumMod val="60000"/>
+              <a:lumOff val="40000"/>
+            </a:schemeClr>
+          </a:solidFill>
+          <a:ln>
+            <a:solidFill>
+              <a:schemeClr val="tx1"/>
+            </a:solidFill>
+          </a:ln>
+        </p:spPr>
+        <p:txBody>
+          <a:bodyPr wrap="square" rtlCol="0">
+            <a:spAutoFit/>
+          </a:bodyPr>
+          <a:lstStyle>
+            <a:defPPr>
+              <a:defRPr lang="en-US"/>
+            </a:defPPr>
+            <a:lvl1pPr>
+              <a:defRPr sz="1400"/>
+            </a:lvl1pPr>
+          </a:lstStyle>
+          <a:p>
+            <a:r>
+              <a:rPr lang="en-GB" dirty="0" smtClean="0"/>
+              <a:t>EBM</a:t>
+            </a:r>
+            <a:endParaRPr lang="en-GB" dirty="0"/>
+          </a:p>
+          <a:p>
+            <a:endParaRPr lang="en-GB" dirty="0"/>
+          </a:p>
+          <a:p>
+            <a:endParaRPr lang="en-GB" dirty="0"/>
+          </a:p>
+          <a:p>
+            <a:endParaRPr lang="en-GB" dirty="0"/>
+          </a:p>
+        </p:txBody>
+      </p:sp>
+      <p:sp>
+        <p:nvSpPr>
+          <p:cNvPr id="7" name="TextBox 6"/>
+          <p:cNvSpPr txBox="1"/>
+          <p:nvPr/>
+        </p:nvSpPr>
+        <p:spPr>
+          <a:xfrm>
+            <a:off x="2438400" y="4724400"/>
+            <a:ext cx="1066800" cy="954107"/>
+          </a:xfrm>
+          <a:prstGeom prst="rect">
+            <a:avLst/>
+          </a:prstGeom>
+          <a:solidFill>
+            <a:schemeClr val="accent2">
+              <a:lumMod val="60000"/>
+              <a:lumOff val="40000"/>
+            </a:schemeClr>
+          </a:solidFill>
+          <a:ln>
+            <a:solidFill>
+              <a:schemeClr val="tx1"/>
+            </a:solidFill>
+          </a:ln>
+        </p:spPr>
+        <p:txBody>
+          <a:bodyPr wrap="square" rtlCol="0">
+            <a:spAutoFit/>
+          </a:bodyPr>
+          <a:lstStyle>
+            <a:defPPr>
+              <a:defRPr lang="en-US"/>
+            </a:defPPr>
+            <a:lvl1pPr>
+              <a:defRPr sz="1400"/>
+            </a:lvl1pPr>
+          </a:lstStyle>
+          <a:p>
+            <a:r>
               <a:rPr lang="en-GB" dirty="0" err="1" smtClean="0"/>
               <a:t>Resbus</a:t>
             </a:r>
@@ -3288,8 +3407,8 @@
         </p:nvSpPr>
         <p:spPr>
           <a:xfrm>
-            <a:off x="4191000" y="1712893"/>
-            <a:ext cx="1066800" cy="954107"/>
+            <a:off x="4286311" y="2233136"/>
+            <a:ext cx="1066800" cy="738664"/>
           </a:xfrm>
           <a:prstGeom prst="rect">
             <a:avLst/>
@@ -3313,21 +3432,28 @@
           <a:lstStyle/>
           <a:p>
             <a:r>
-              <a:rPr lang="en-GB" sz="1400" dirty="0" smtClean="0"/>
+              <a:rPr lang="en-GB" sz="1050" b="1" dirty="0" smtClean="0"/>
               <a:t>Accelerator</a:t>
             </a:r>
           </a:p>
           <a:p>
             <a:r>
-              <a:rPr lang="en-GB" sz="1400" dirty="0" smtClean="0"/>
+              <a:rPr lang="en-GB" sz="1050" b="1" dirty="0" smtClean="0"/>
               <a:t>Pedal</a:t>
             </a:r>
           </a:p>
           <a:p>
-            <a:endParaRPr lang="en-GB" sz="1400" dirty="0" smtClean="0"/>
-          </a:p>
-          <a:p>
-            <a:endParaRPr lang="en-GB" sz="1400" dirty="0"/>
+            <a:r>
+              <a:rPr lang="en-GB" sz="1050" b="1" dirty="0" smtClean="0"/>
+              <a:t>Position</a:t>
+            </a:r>
+          </a:p>
+          <a:p>
+            <a:r>
+              <a:rPr lang="en-GB" sz="1050" b="1" dirty="0" smtClean="0"/>
+              <a:t>Sensor</a:t>
+            </a:r>
+            <a:endParaRPr lang="en-GB" sz="1050" b="1" dirty="0" smtClean="0"/>
           </a:p>
         </p:txBody>
       </p:sp>
@@ -3339,7 +3465,7 @@
         </p:nvSpPr>
         <p:spPr>
           <a:xfrm>
-            <a:off x="914400" y="3846493"/>
+            <a:off x="1681371" y="234738"/>
             <a:ext cx="1066800" cy="954107"/>
           </a:xfrm>
           <a:prstGeom prst="rect">
@@ -3387,7 +3513,7 @@
         </p:nvCxnSpPr>
         <p:spPr>
           <a:xfrm>
-            <a:off x="304800" y="3084493"/>
+            <a:off x="304800" y="1460287"/>
             <a:ext cx="7772400" cy="0"/>
           </a:xfrm>
           <a:prstGeom prst="line">
@@ -3418,7 +3544,7 @@
         </p:nvCxnSpPr>
         <p:spPr>
           <a:xfrm>
-            <a:off x="304800" y="3389293"/>
+            <a:off x="304800" y="3998893"/>
             <a:ext cx="7772400" cy="0"/>
           </a:xfrm>
           <a:prstGeom prst="line">
@@ -3448,15 +3574,13 @@
       <p:cxnSp>
         <p:nvCxnSpPr>
           <p:cNvPr id="14" name="Straight Connector 13"/>
-          <p:cNvCxnSpPr>
-            <a:stCxn id="9" idx="0"/>
-          </p:cNvCxnSpPr>
+          <p:cNvCxnSpPr/>
           <p:nvPr/>
         </p:nvCxnSpPr>
         <p:spPr>
-          <a:xfrm flipV="1">
-            <a:off x="1447800" y="3084493"/>
-            <a:ext cx="0" cy="762000"/>
+          <a:xfrm>
+            <a:off x="2214771" y="1188845"/>
+            <a:ext cx="0" cy="258955"/>
           </a:xfrm>
           <a:prstGeom prst="line">
             <a:avLst/>
@@ -3488,8 +3612,8 @@
         </p:nvCxnSpPr>
         <p:spPr>
           <a:xfrm flipV="1">
-            <a:off x="4724400" y="2667000"/>
-            <a:ext cx="0" cy="417493"/>
+            <a:off x="4819711" y="2971800"/>
+            <a:ext cx="0" cy="457200"/>
           </a:xfrm>
           <a:prstGeom prst="line">
             <a:avLst/>
@@ -3514,20 +3638,22 @@
       <p:cxnSp>
         <p:nvCxnSpPr>
           <p:cNvPr id="20" name="Straight Connector 19"/>
-          <p:cNvCxnSpPr/>
+          <p:cNvCxnSpPr>
+            <a:stCxn id="7" idx="0"/>
+          </p:cNvCxnSpPr>
           <p:nvPr/>
         </p:nvCxnSpPr>
         <p:spPr>
           <a:xfrm flipV="1">
-            <a:off x="3581400" y="3389293"/>
-            <a:ext cx="0" cy="457200"/>
+            <a:off x="2971800" y="4288795"/>
+            <a:ext cx="0" cy="435605"/>
           </a:xfrm>
           <a:prstGeom prst="line">
             <a:avLst/>
           </a:prstGeom>
           <a:ln w="38100">
             <a:solidFill>
-              <a:srgbClr val="FF0000"/>
+              <a:srgbClr val="FFC000"/>
             </a:solidFill>
           </a:ln>
         </p:spPr>
@@ -3554,7 +3680,7 @@
         </p:nvCxnSpPr>
         <p:spPr>
           <a:xfrm flipV="1">
-            <a:off x="5715000" y="3389293"/>
+            <a:off x="5867400" y="4303693"/>
             <a:ext cx="0" cy="457200"/>
           </a:xfrm>
           <a:prstGeom prst="line">
@@ -3562,40 +3688,9 @@
           </a:prstGeom>
           <a:ln w="38100">
             <a:solidFill>
-              <a:srgbClr val="FF0000"/>
+              <a:srgbClr val="FFC000"/>
             </a:solidFill>
           </a:ln>
-        </p:spPr>
-        <p:style>
-          <a:lnRef idx="1">
-            <a:schemeClr val="accent1"/>
-          </a:lnRef>
-          <a:fillRef idx="0">
-            <a:schemeClr val="accent1"/>
-          </a:fillRef>
-          <a:effectRef idx="0">
-            <a:schemeClr val="accent1"/>
-          </a:effectRef>
-          <a:fontRef idx="minor">
-            <a:schemeClr val="tx1"/>
-          </a:fontRef>
-        </p:style>
-      </p:cxnSp>
-      <p:cxnSp>
-        <p:nvCxnSpPr>
-          <p:cNvPr id="23" name="Straight Connector 22"/>
-          <p:cNvCxnSpPr/>
-          <p:nvPr/>
-        </p:nvCxnSpPr>
-        <p:spPr>
-          <a:xfrm flipV="1">
-            <a:off x="2590800" y="2667000"/>
-            <a:ext cx="0" cy="417493"/>
-          </a:xfrm>
-          <a:prstGeom prst="line">
-            <a:avLst/>
-          </a:prstGeom>
-          <a:ln w="38100"/>
         </p:spPr>
         <p:style>
           <a:lnRef idx="1">
@@ -3620,8 +3715,8 @@
         </p:nvCxnSpPr>
         <p:spPr>
           <a:xfrm flipV="1">
-            <a:off x="2895600" y="2667001"/>
-            <a:ext cx="0" cy="722292"/>
+            <a:off x="3385810" y="3657601"/>
+            <a:ext cx="0" cy="341292"/>
           </a:xfrm>
           <a:prstGeom prst="line">
             <a:avLst/>
@@ -3650,13 +3745,15 @@
       <p:cxnSp>
         <p:nvCxnSpPr>
           <p:cNvPr id="29" name="Straight Connector 28"/>
-          <p:cNvCxnSpPr/>
+          <p:cNvCxnSpPr>
+            <a:endCxn id="5" idx="2"/>
+          </p:cNvCxnSpPr>
           <p:nvPr/>
         </p:nvCxnSpPr>
         <p:spPr>
           <a:xfrm flipV="1">
-            <a:off x="6781800" y="2667001"/>
-            <a:ext cx="0" cy="722292"/>
+            <a:off x="6781800" y="3886200"/>
+            <a:ext cx="0" cy="112693"/>
           </a:xfrm>
           <a:prstGeom prst="line">
             <a:avLst/>
@@ -3690,7 +3787,7 @@
         </p:nvSpPr>
         <p:spPr>
           <a:xfrm>
-            <a:off x="6705600" y="5181600"/>
+            <a:off x="20166" y="5288340"/>
             <a:ext cx="2362200" cy="1569660"/>
           </a:xfrm>
           <a:prstGeom prst="rect">
@@ -3777,7 +3874,7 @@
         </p:nvCxnSpPr>
         <p:spPr>
           <a:xfrm>
-            <a:off x="6324600" y="914400"/>
+            <a:off x="6324600" y="2133600"/>
             <a:ext cx="0" cy="762000"/>
           </a:xfrm>
           <a:prstGeom prst="straightConnector1">
@@ -3813,8 +3910,8 @@
         </p:nvSpPr>
         <p:spPr>
           <a:xfrm rot="16200000">
-            <a:off x="5317554" y="626046"/>
-            <a:ext cx="1259533" cy="769441"/>
+            <a:off x="5394751" y="1965751"/>
+            <a:ext cx="1259533" cy="600164"/>
           </a:xfrm>
           <a:prstGeom prst="rect">
             <a:avLst/>
@@ -3831,24 +3928,20 @@
               <a:rPr lang="en-GB" sz="1100" dirty="0" smtClean="0"/>
               <a:t>RPM</a:t>
             </a:r>
+            <a:endParaRPr lang="en-GB" sz="1100" dirty="0" smtClean="0"/>
           </a:p>
           <a:p>
             <a:r>
               <a:rPr lang="en-GB" sz="1100" dirty="0" smtClean="0"/>
-              <a:t>Exhaust Temp</a:t>
+              <a:t>Coolant Temp</a:t>
             </a:r>
           </a:p>
           <a:p>
             <a:r>
               <a:rPr lang="en-GB" sz="1100" dirty="0" smtClean="0"/>
-              <a:t>Oil Temp</a:t>
-            </a:r>
-          </a:p>
-          <a:p>
-            <a:r>
-              <a:rPr lang="en-GB" sz="1100" dirty="0" smtClean="0"/>
-              <a:t>Water Temp</a:t>
-            </a:r>
+              <a:t>Throttle position</a:t>
+            </a:r>
+            <a:endParaRPr lang="en-GB" sz="1100" dirty="0" smtClean="0"/>
           </a:p>
         </p:txBody>
       </p:sp>
@@ -3860,7 +3953,7 @@
         </p:nvSpPr>
         <p:spPr>
           <a:xfrm>
-            <a:off x="152400" y="1752600"/>
+            <a:off x="152400" y="208434"/>
             <a:ext cx="1066800" cy="954107"/>
           </a:xfrm>
           <a:prstGeom prst="rect">
@@ -3910,22 +4003,20 @@
       <p:cxnSp>
         <p:nvCxnSpPr>
           <p:cNvPr id="37" name="Straight Connector 36"/>
-          <p:cNvCxnSpPr>
-            <a:endCxn id="36" idx="2"/>
-          </p:cNvCxnSpPr>
+          <p:cNvCxnSpPr/>
           <p:nvPr/>
         </p:nvCxnSpPr>
         <p:spPr>
           <a:xfrm flipV="1">
-            <a:off x="685800" y="2706707"/>
-            <a:ext cx="0" cy="682586"/>
+            <a:off x="685800" y="1162541"/>
+            <a:ext cx="0" cy="285259"/>
           </a:xfrm>
           <a:prstGeom prst="line">
             <a:avLst/>
           </a:prstGeom>
           <a:ln w="38100">
             <a:solidFill>
-              <a:srgbClr val="FF0000"/>
+              <a:schemeClr val="accent1"/>
             </a:solidFill>
           </a:ln>
         </p:spPr>
@@ -3952,8 +4043,8 @@
         </p:nvSpPr>
         <p:spPr>
           <a:xfrm>
-            <a:off x="7620000" y="2819400"/>
-            <a:ext cx="1219200" cy="276999"/>
+            <a:off x="7620000" y="1195194"/>
+            <a:ext cx="1219200" cy="461665"/>
           </a:xfrm>
           <a:prstGeom prst="rect">
             <a:avLst/>
@@ -3974,7 +4065,19 @@
                   </a:schemeClr>
                 </a:solidFill>
               </a:rPr>
-              <a:t>Low speed CAN</a:t>
+              <a:t>Body CAN</a:t>
+            </a:r>
+          </a:p>
+          <a:p>
+            <a:r>
+              <a:rPr lang="en-GB" sz="1200" b="1" dirty="0" smtClean="0">
+                <a:solidFill>
+                  <a:schemeClr val="tx2">
+                    <a:lumMod val="75000"/>
+                  </a:schemeClr>
+                </a:solidFill>
+              </a:rPr>
+              <a:t>Low Speed</a:t>
             </a:r>
             <a:endParaRPr lang="en-GB" sz="1200" b="1" dirty="0">
               <a:solidFill>
@@ -3994,7 +4097,7 @@
         </p:nvSpPr>
         <p:spPr>
           <a:xfrm>
-            <a:off x="7620000" y="3352800"/>
+            <a:off x="7620000" y="3733800"/>
             <a:ext cx="1219200" cy="276999"/>
           </a:xfrm>
           <a:prstGeom prst="rect">
@@ -4014,7 +4117,7 @@
                   <a:srgbClr val="FF0000"/>
                 </a:solidFill>
               </a:rPr>
-              <a:t>High speed CAN</a:t>
+              <a:t>Prop. CAN</a:t>
             </a:r>
             <a:endParaRPr lang="en-GB" sz="1200" b="1" dirty="0">
               <a:solidFill>
@@ -4032,7 +4135,7 @@
         </p:nvCxnSpPr>
         <p:spPr>
           <a:xfrm>
-            <a:off x="8153400" y="1905000"/>
+            <a:off x="8305800" y="3048000"/>
             <a:ext cx="0" cy="762000"/>
           </a:xfrm>
           <a:prstGeom prst="straightConnector1">
@@ -4068,8 +4171,8 @@
         </p:nvSpPr>
         <p:spPr>
           <a:xfrm rot="16200000">
-            <a:off x="7146354" y="1616646"/>
-            <a:ext cx="1259533" cy="769441"/>
+            <a:off x="7206674" y="2482274"/>
+            <a:ext cx="1259533" cy="938719"/>
           </a:xfrm>
           <a:prstGeom prst="rect">
             <a:avLst/>
@@ -4096,14 +4199,26 @@
           <a:p>
             <a:r>
               <a:rPr lang="en-GB" sz="1100" dirty="0" smtClean="0"/>
-              <a:t>Oil Temp</a:t>
-            </a:r>
-          </a:p>
-          <a:p>
+              <a:t>Oil </a:t>
+            </a:r>
             <a:r>
               <a:rPr lang="en-GB" sz="1100" dirty="0" smtClean="0"/>
-              <a:t>Water Temp</a:t>
-            </a:r>
+              <a:t>Pressure</a:t>
+            </a:r>
+            <a:endParaRPr lang="en-GB" sz="1100" dirty="0" smtClean="0"/>
+          </a:p>
+          <a:p>
+            <a:r>
+              <a:rPr lang="en-GB" sz="1100" dirty="0" smtClean="0"/>
+              <a:t>Engine Temp</a:t>
+            </a:r>
+          </a:p>
+          <a:p>
+            <a:r>
+              <a:rPr lang="en-GB" sz="1100" dirty="0" smtClean="0"/>
+              <a:t>Diagnostics</a:t>
+            </a:r>
+            <a:endParaRPr lang="en-GB" sz="1100" dirty="0" smtClean="0"/>
           </a:p>
         </p:txBody>
       </p:sp>
@@ -4115,7 +4230,7 @@
         </p:nvSpPr>
         <p:spPr>
           <a:xfrm rot="16200000">
-            <a:off x="7654439" y="1870561"/>
+            <a:off x="8002428" y="2668428"/>
             <a:ext cx="1259533" cy="261610"/>
           </a:xfrm>
           <a:prstGeom prst="rect">
@@ -4144,8 +4259,8 @@
         </p:nvCxnSpPr>
         <p:spPr>
           <a:xfrm flipV="1">
-            <a:off x="7239000" y="304800"/>
-            <a:ext cx="0" cy="1371600"/>
+            <a:off x="7239000" y="1788465"/>
+            <a:ext cx="1" cy="1107135"/>
           </a:xfrm>
           <a:prstGeom prst="straightConnector1">
             <a:avLst/>
@@ -4180,7 +4295,7 @@
         </p:nvSpPr>
         <p:spPr>
           <a:xfrm rot="16200000">
-            <a:off x="6300713" y="702245"/>
+            <a:off x="6300713" y="1921445"/>
             <a:ext cx="1107134" cy="769441"/>
           </a:xfrm>
           <a:prstGeom prst="rect">
@@ -4208,14 +4323,15 @@
           <a:p>
             <a:r>
               <a:rPr lang="en-GB" sz="1100" dirty="0" smtClean="0"/>
-              <a:t>Throttle</a:t>
+              <a:t>Throttle Control</a:t>
             </a:r>
           </a:p>
           <a:p>
             <a:r>
               <a:rPr lang="en-GB" sz="1100" dirty="0" smtClean="0"/>
-              <a:t>Value Control</a:t>
-            </a:r>
+              <a:t>Cooling Fan</a:t>
+            </a:r>
+            <a:endParaRPr lang="en-GB" sz="1100" dirty="0" smtClean="0"/>
           </a:p>
         </p:txBody>
       </p:sp>
@@ -4227,8 +4343,8 @@
         </p:nvSpPr>
         <p:spPr>
           <a:xfrm rot="16200000">
-            <a:off x="6900877" y="871524"/>
-            <a:ext cx="1107134" cy="430887"/>
+            <a:off x="6862777" y="2164689"/>
+            <a:ext cx="1183335" cy="430887"/>
           </a:xfrm>
           <a:prstGeom prst="rect">
             <a:avLst/>
@@ -4247,7 +4363,11 @@
             </a:r>
             <a:r>
               <a:rPr lang="en-GB" sz="1100" dirty="0" smtClean="0"/>
-              <a:t> once per revolution</a:t>
+              <a:t>  once </a:t>
+            </a:r>
+            <a:r>
+              <a:rPr lang="en-GB" sz="1100" dirty="0" smtClean="0"/>
+              <a:t>per revolution</a:t>
             </a:r>
           </a:p>
         </p:txBody>
@@ -4260,7 +4380,7 @@
         </p:nvSpPr>
         <p:spPr>
           <a:xfrm rot="16200000">
-            <a:off x="6173628" y="4192428"/>
+            <a:off x="6326028" y="4878228"/>
             <a:ext cx="1259533" cy="261610"/>
           </a:xfrm>
           <a:prstGeom prst="rect">
@@ -4289,7 +4409,7 @@
         </p:nvCxnSpPr>
         <p:spPr>
           <a:xfrm flipV="1">
-            <a:off x="6688723" y="4114800"/>
+            <a:off x="6841123" y="4800600"/>
             <a:ext cx="0" cy="762000"/>
           </a:xfrm>
           <a:prstGeom prst="straightConnector1">
@@ -4325,7 +4445,7 @@
         </p:nvSpPr>
         <p:spPr>
           <a:xfrm rot="5400000" flipV="1">
-            <a:off x="5834077" y="3995723"/>
+            <a:off x="5986477" y="4681523"/>
             <a:ext cx="1259533" cy="430887"/>
           </a:xfrm>
           <a:prstGeom prst="rect">
@@ -4360,8 +4480,8 @@
         </p:nvSpPr>
         <p:spPr>
           <a:xfrm rot="16200000">
-            <a:off x="4573428" y="4766162"/>
-            <a:ext cx="1259533" cy="261610"/>
+            <a:off x="3471877" y="5976924"/>
+            <a:ext cx="1259533" cy="430887"/>
           </a:xfrm>
           <a:prstGeom prst="rect">
             <a:avLst/>
@@ -4376,8 +4496,15 @@
           <a:p>
             <a:r>
               <a:rPr lang="en-GB" sz="1100" dirty="0" smtClean="0"/>
-              <a:t>Tyres</a:t>
-            </a:r>
+              <a:t>Wheels </a:t>
+            </a:r>
+          </a:p>
+          <a:p>
+            <a:r>
+              <a:rPr lang="en-GB" sz="1100" dirty="0" smtClean="0"/>
+              <a:t>Speed Sensors</a:t>
+            </a:r>
+            <a:endParaRPr lang="en-GB" sz="1100" dirty="0" smtClean="0"/>
           </a:p>
         </p:txBody>
       </p:sp>
@@ -4389,7 +4516,7 @@
         </p:nvCxnSpPr>
         <p:spPr>
           <a:xfrm flipV="1">
-            <a:off x="5334000" y="4800600"/>
+            <a:off x="4419600" y="5831534"/>
             <a:ext cx="0" cy="762000"/>
           </a:xfrm>
           <a:prstGeom prst="straightConnector1">
@@ -4425,7 +4552,7 @@
         </p:nvSpPr>
         <p:spPr>
           <a:xfrm>
-            <a:off x="4760267" y="2710190"/>
+            <a:off x="4760267" y="3472190"/>
             <a:ext cx="1259533" cy="261610"/>
           </a:xfrm>
           <a:prstGeom prst="rect">
@@ -4454,7 +4581,7 @@
         </p:nvSpPr>
         <p:spPr>
           <a:xfrm>
-            <a:off x="1407467" y="3548390"/>
+            <a:off x="2321867" y="1186190"/>
             <a:ext cx="1259533" cy="261610"/>
           </a:xfrm>
           <a:prstGeom prst="rect">
@@ -4483,8 +4610,8 @@
         </p:nvCxnSpPr>
         <p:spPr>
           <a:xfrm flipV="1">
-            <a:off x="2971800" y="381000"/>
-            <a:ext cx="0" cy="1371600"/>
+            <a:off x="3429000" y="1752598"/>
+            <a:ext cx="0" cy="990602"/>
           </a:xfrm>
           <a:prstGeom prst="straightConnector1">
             <a:avLst/>
@@ -4519,7 +4646,7 @@
         </p:nvSpPr>
         <p:spPr>
           <a:xfrm rot="16200000">
-            <a:off x="2244238" y="1032362"/>
+            <a:off x="2701438" y="1870563"/>
             <a:ext cx="1107134" cy="261610"/>
           </a:xfrm>
           <a:prstGeom prst="rect">
@@ -4534,16 +4661,4859 @@
           <a:lstStyle/>
           <a:p>
             <a:r>
-              <a:rPr lang="en-GB" sz="1100" dirty="0" smtClean="0"/>
+              <a:rPr lang="en-GB" sz="1050" dirty="0" smtClean="0"/>
               <a:t>Cluster Display</a:t>
             </a:r>
           </a:p>
         </p:txBody>
       </p:sp>
+      <p:cxnSp>
+        <p:nvCxnSpPr>
+          <p:cNvPr id="39" name="Straight Connector 38"/>
+          <p:cNvCxnSpPr/>
+          <p:nvPr/>
+        </p:nvCxnSpPr>
+        <p:spPr>
+          <a:xfrm>
+            <a:off x="381000" y="4288795"/>
+            <a:ext cx="7772400" cy="0"/>
+          </a:xfrm>
+          <a:prstGeom prst="line">
+            <a:avLst/>
+          </a:prstGeom>
+          <a:ln w="38100">
+            <a:solidFill>
+              <a:srgbClr val="FFC000"/>
+            </a:solidFill>
+          </a:ln>
+        </p:spPr>
+        <p:style>
+          <a:lnRef idx="1">
+            <a:schemeClr val="accent1"/>
+          </a:lnRef>
+          <a:fillRef idx="0">
+            <a:schemeClr val="accent1"/>
+          </a:fillRef>
+          <a:effectRef idx="0">
+            <a:schemeClr val="accent1"/>
+          </a:effectRef>
+          <a:fontRef idx="minor">
+            <a:schemeClr val="tx1"/>
+          </a:fontRef>
+        </p:style>
+      </p:cxnSp>
+      <p:sp>
+        <p:nvSpPr>
+          <p:cNvPr id="46" name="TextBox 45"/>
+          <p:cNvSpPr txBox="1"/>
+          <p:nvPr/>
+        </p:nvSpPr>
+        <p:spPr>
+          <a:xfrm>
+            <a:off x="7674605" y="4281100"/>
+            <a:ext cx="1219200" cy="461665"/>
+          </a:xfrm>
+          <a:prstGeom prst="rect">
+            <a:avLst/>
+          </a:prstGeom>
+          <a:noFill/>
+        </p:spPr>
+        <p:txBody>
+          <a:bodyPr wrap="square" rtlCol="0">
+            <a:spAutoFit/>
+          </a:bodyPr>
+          <a:lstStyle/>
+          <a:p>
+            <a:r>
+              <a:rPr lang="en-GB" sz="1200" b="1" dirty="0" smtClean="0">
+                <a:solidFill>
+                  <a:schemeClr val="accent6"/>
+                </a:solidFill>
+              </a:rPr>
+              <a:t>Chassis &amp; Safety. CAN</a:t>
+            </a:r>
+            <a:endParaRPr lang="en-GB" sz="1200" b="1" dirty="0">
+              <a:solidFill>
+                <a:schemeClr val="accent6"/>
+              </a:solidFill>
+            </a:endParaRPr>
+          </a:p>
+        </p:txBody>
+      </p:sp>
+      <p:sp>
+        <p:nvSpPr>
+          <p:cNvPr id="47" name="TextBox 46"/>
+          <p:cNvSpPr txBox="1"/>
+          <p:nvPr/>
+        </p:nvSpPr>
+        <p:spPr>
+          <a:xfrm>
+            <a:off x="685800" y="2514600"/>
+            <a:ext cx="1066800" cy="914400"/>
+          </a:xfrm>
+          <a:prstGeom prst="rect">
+            <a:avLst/>
+          </a:prstGeom>
+          <a:solidFill>
+            <a:schemeClr val="accent2">
+              <a:lumMod val="60000"/>
+              <a:lumOff val="40000"/>
+            </a:schemeClr>
+          </a:solidFill>
+          <a:ln>
+            <a:solidFill>
+              <a:schemeClr val="tx1"/>
+            </a:solidFill>
+          </a:ln>
+        </p:spPr>
+        <p:txBody>
+          <a:bodyPr wrap="square" rtlCol="0">
+            <a:spAutoFit/>
+          </a:bodyPr>
+          <a:lstStyle/>
+          <a:p>
+            <a:r>
+              <a:rPr lang="en-GB" sz="1400" dirty="0" smtClean="0"/>
+              <a:t>CEM</a:t>
+            </a:r>
+            <a:endParaRPr lang="en-GB" sz="1400" dirty="0" smtClean="0"/>
+          </a:p>
+        </p:txBody>
+      </p:sp>
+      <p:cxnSp>
+        <p:nvCxnSpPr>
+          <p:cNvPr id="49" name="Straight Connector 48"/>
+          <p:cNvCxnSpPr>
+            <a:endCxn id="47" idx="2"/>
+          </p:cNvCxnSpPr>
+          <p:nvPr/>
+        </p:nvCxnSpPr>
+        <p:spPr>
+          <a:xfrm flipV="1">
+            <a:off x="1219200" y="3429000"/>
+            <a:ext cx="0" cy="569893"/>
+          </a:xfrm>
+          <a:prstGeom prst="line">
+            <a:avLst/>
+          </a:prstGeom>
+          <a:ln w="38100">
+            <a:solidFill>
+              <a:srgbClr val="FF0000"/>
+            </a:solidFill>
+          </a:ln>
+        </p:spPr>
+        <p:style>
+          <a:lnRef idx="1">
+            <a:schemeClr val="accent1"/>
+          </a:lnRef>
+          <a:fillRef idx="0">
+            <a:schemeClr val="accent1"/>
+          </a:fillRef>
+          <a:effectRef idx="0">
+            <a:schemeClr val="accent1"/>
+          </a:effectRef>
+          <a:fontRef idx="minor">
+            <a:schemeClr val="tx1"/>
+          </a:fontRef>
+        </p:style>
+      </p:cxnSp>
+      <p:cxnSp>
+        <p:nvCxnSpPr>
+          <p:cNvPr id="51" name="Straight Connector 50"/>
+          <p:cNvCxnSpPr/>
+          <p:nvPr/>
+        </p:nvCxnSpPr>
+        <p:spPr>
+          <a:xfrm flipV="1">
+            <a:off x="1467967" y="3429000"/>
+            <a:ext cx="0" cy="874694"/>
+          </a:xfrm>
+          <a:prstGeom prst="line">
+            <a:avLst/>
+          </a:prstGeom>
+          <a:ln w="38100">
+            <a:solidFill>
+              <a:srgbClr val="FFC000"/>
+            </a:solidFill>
+          </a:ln>
+        </p:spPr>
+        <p:style>
+          <a:lnRef idx="1">
+            <a:schemeClr val="accent1"/>
+          </a:lnRef>
+          <a:fillRef idx="0">
+            <a:schemeClr val="accent1"/>
+          </a:fillRef>
+          <a:effectRef idx="0">
+            <a:schemeClr val="accent1"/>
+          </a:effectRef>
+          <a:fontRef idx="minor">
+            <a:schemeClr val="tx1"/>
+          </a:fontRef>
+        </p:style>
+      </p:cxnSp>
+      <p:cxnSp>
+        <p:nvCxnSpPr>
+          <p:cNvPr id="58" name="Straight Connector 57"/>
+          <p:cNvCxnSpPr/>
+          <p:nvPr/>
+        </p:nvCxnSpPr>
+        <p:spPr>
+          <a:xfrm flipV="1">
+            <a:off x="934567" y="1460288"/>
+            <a:ext cx="0" cy="1054312"/>
+          </a:xfrm>
+          <a:prstGeom prst="line">
+            <a:avLst/>
+          </a:prstGeom>
+          <a:ln w="38100"/>
+        </p:spPr>
+        <p:style>
+          <a:lnRef idx="1">
+            <a:schemeClr val="accent1"/>
+          </a:lnRef>
+          <a:fillRef idx="0">
+            <a:schemeClr val="accent1"/>
+          </a:fillRef>
+          <a:effectRef idx="0">
+            <a:schemeClr val="accent1"/>
+          </a:effectRef>
+          <a:fontRef idx="minor">
+            <a:schemeClr val="tx1"/>
+          </a:fontRef>
+        </p:style>
+      </p:cxnSp>
+      <p:cxnSp>
+        <p:nvCxnSpPr>
+          <p:cNvPr id="88" name="Straight Connector 87"/>
+          <p:cNvCxnSpPr/>
+          <p:nvPr/>
+        </p:nvCxnSpPr>
+        <p:spPr>
+          <a:xfrm flipH="1">
+            <a:off x="4819711" y="3429000"/>
+            <a:ext cx="1428689" cy="0"/>
+          </a:xfrm>
+          <a:prstGeom prst="line">
+            <a:avLst/>
+          </a:prstGeom>
+          <a:ln w="38100"/>
+        </p:spPr>
+        <p:style>
+          <a:lnRef idx="1">
+            <a:schemeClr val="accent1"/>
+          </a:lnRef>
+          <a:fillRef idx="0">
+            <a:schemeClr val="accent1"/>
+          </a:fillRef>
+          <a:effectRef idx="0">
+            <a:schemeClr val="accent1"/>
+          </a:effectRef>
+          <a:fontRef idx="minor">
+            <a:schemeClr val="tx1"/>
+          </a:fontRef>
+        </p:style>
+      </p:cxnSp>
+      <p:sp>
+        <p:nvSpPr>
+          <p:cNvPr id="94" name="TextBox 93"/>
+          <p:cNvSpPr txBox="1"/>
+          <p:nvPr/>
+        </p:nvSpPr>
+        <p:spPr>
+          <a:xfrm>
+            <a:off x="3890325" y="4742765"/>
+            <a:ext cx="1066800" cy="954107"/>
+          </a:xfrm>
+          <a:prstGeom prst="rect">
+            <a:avLst/>
+          </a:prstGeom>
+          <a:solidFill>
+            <a:schemeClr val="accent2">
+              <a:lumMod val="60000"/>
+              <a:lumOff val="40000"/>
+            </a:schemeClr>
+          </a:solidFill>
+          <a:ln>
+            <a:solidFill>
+              <a:schemeClr val="tx1"/>
+            </a:solidFill>
+          </a:ln>
+        </p:spPr>
+        <p:txBody>
+          <a:bodyPr wrap="square" rtlCol="0">
+            <a:spAutoFit/>
+          </a:bodyPr>
+          <a:lstStyle>
+            <a:defPPr>
+              <a:defRPr lang="en-US"/>
+            </a:defPPr>
+            <a:lvl1pPr>
+              <a:defRPr sz="1400"/>
+            </a:lvl1pPr>
+          </a:lstStyle>
+          <a:p>
+            <a:r>
+              <a:rPr lang="en-GB" dirty="0" smtClean="0"/>
+              <a:t>ABS (4)</a:t>
+            </a:r>
+            <a:endParaRPr lang="en-GB" dirty="0"/>
+          </a:p>
+          <a:p>
+            <a:endParaRPr lang="en-GB" dirty="0" smtClean="0"/>
+          </a:p>
+          <a:p>
+            <a:endParaRPr lang="en-GB" dirty="0"/>
+          </a:p>
+          <a:p>
+            <a:endParaRPr lang="en-GB" dirty="0"/>
+          </a:p>
+        </p:txBody>
+      </p:sp>
+      <p:cxnSp>
+        <p:nvCxnSpPr>
+          <p:cNvPr id="95" name="Straight Connector 94"/>
+          <p:cNvCxnSpPr/>
+          <p:nvPr/>
+        </p:nvCxnSpPr>
+        <p:spPr>
+          <a:xfrm flipV="1">
+            <a:off x="4419600" y="4267200"/>
+            <a:ext cx="0" cy="457200"/>
+          </a:xfrm>
+          <a:prstGeom prst="line">
+            <a:avLst/>
+          </a:prstGeom>
+          <a:ln w="38100">
+            <a:solidFill>
+              <a:srgbClr val="FFC000"/>
+            </a:solidFill>
+          </a:ln>
+        </p:spPr>
+        <p:style>
+          <a:lnRef idx="1">
+            <a:schemeClr val="accent1"/>
+          </a:lnRef>
+          <a:fillRef idx="0">
+            <a:schemeClr val="accent1"/>
+          </a:fillRef>
+          <a:effectRef idx="0">
+            <a:schemeClr val="accent1"/>
+          </a:effectRef>
+          <a:fontRef idx="minor">
+            <a:schemeClr val="tx1"/>
+          </a:fontRef>
+        </p:style>
+      </p:cxnSp>
+      <p:sp>
+        <p:nvSpPr>
+          <p:cNvPr id="96" name="TextBox 95"/>
+          <p:cNvSpPr txBox="1"/>
+          <p:nvPr/>
+        </p:nvSpPr>
+        <p:spPr>
+          <a:xfrm>
+            <a:off x="3810000" y="4830320"/>
+            <a:ext cx="1066800" cy="954107"/>
+          </a:xfrm>
+          <a:prstGeom prst="rect">
+            <a:avLst/>
+          </a:prstGeom>
+          <a:solidFill>
+            <a:schemeClr val="accent2">
+              <a:lumMod val="60000"/>
+              <a:lumOff val="40000"/>
+            </a:schemeClr>
+          </a:solidFill>
+          <a:ln>
+            <a:solidFill>
+              <a:schemeClr val="tx1"/>
+            </a:solidFill>
+          </a:ln>
+        </p:spPr>
+        <p:txBody>
+          <a:bodyPr wrap="square" rtlCol="0">
+            <a:spAutoFit/>
+          </a:bodyPr>
+          <a:lstStyle>
+            <a:defPPr>
+              <a:defRPr lang="en-US"/>
+            </a:defPPr>
+            <a:lvl1pPr>
+              <a:defRPr sz="1400"/>
+            </a:lvl1pPr>
+          </a:lstStyle>
+          <a:p>
+            <a:r>
+              <a:rPr lang="en-GB" dirty="0" smtClean="0"/>
+              <a:t>ABS (4)</a:t>
+            </a:r>
+            <a:endParaRPr lang="en-GB" dirty="0"/>
+          </a:p>
+          <a:p>
+            <a:endParaRPr lang="en-GB" dirty="0" smtClean="0"/>
+          </a:p>
+          <a:p>
+            <a:endParaRPr lang="en-GB" dirty="0"/>
+          </a:p>
+          <a:p>
+            <a:endParaRPr lang="en-GB" dirty="0"/>
+          </a:p>
+        </p:txBody>
+      </p:sp>
+      <p:sp>
+        <p:nvSpPr>
+          <p:cNvPr id="99" name="TextBox 98"/>
+          <p:cNvSpPr txBox="1"/>
+          <p:nvPr/>
+        </p:nvSpPr>
+        <p:spPr>
+          <a:xfrm>
+            <a:off x="5552909" y="6181636"/>
+            <a:ext cx="3098139" cy="600164"/>
+          </a:xfrm>
+          <a:prstGeom prst="rect">
+            <a:avLst/>
+          </a:prstGeom>
+        </p:spPr>
+        <p:style>
+          <a:lnRef idx="2">
+            <a:schemeClr val="dk1"/>
+          </a:lnRef>
+          <a:fillRef idx="1">
+            <a:schemeClr val="lt1"/>
+          </a:fillRef>
+          <a:effectRef idx="0">
+            <a:schemeClr val="dk1"/>
+          </a:effectRef>
+          <a:fontRef idx="minor">
+            <a:schemeClr val="dk1"/>
+          </a:fontRef>
+        </p:style>
+        <p:txBody>
+          <a:bodyPr wrap="square" rtlCol="0">
+            <a:spAutoFit/>
+          </a:bodyPr>
+          <a:lstStyle/>
+          <a:p>
+            <a:r>
+              <a:rPr lang="en-US" sz="1100" dirty="0" smtClean="0"/>
+              <a:t>EBM – Electronic Brake Module</a:t>
+            </a:r>
+          </a:p>
+          <a:p>
+            <a:r>
+              <a:rPr lang="en-US" sz="1100" dirty="0" smtClean="0"/>
+              <a:t>CEM – Central Electronics Module</a:t>
+            </a:r>
+          </a:p>
+          <a:p>
+            <a:r>
+              <a:rPr lang="en-US" sz="1100" dirty="0" smtClean="0"/>
+              <a:t>EMU – Engine Management Module (aka PCM )</a:t>
+            </a:r>
+            <a:endParaRPr lang="en-US" sz="1100" dirty="0"/>
+          </a:p>
+        </p:txBody>
+      </p:sp>
+      <p:sp>
+        <p:nvSpPr>
+          <p:cNvPr id="100" name="TextBox 99"/>
+          <p:cNvSpPr txBox="1"/>
+          <p:nvPr/>
+        </p:nvSpPr>
+        <p:spPr>
+          <a:xfrm>
+            <a:off x="7543800" y="4949924"/>
+            <a:ext cx="1066800" cy="738664"/>
+          </a:xfrm>
+          <a:prstGeom prst="rect">
+            <a:avLst/>
+          </a:prstGeom>
+          <a:solidFill>
+            <a:schemeClr val="accent1">
+              <a:lumMod val="40000"/>
+              <a:lumOff val="60000"/>
+            </a:schemeClr>
+          </a:solidFill>
+          <a:ln>
+            <a:solidFill>
+              <a:schemeClr val="accent1"/>
+            </a:solidFill>
+          </a:ln>
+        </p:spPr>
+        <p:txBody>
+          <a:bodyPr wrap="square" rtlCol="0">
+            <a:spAutoFit/>
+          </a:bodyPr>
+          <a:lstStyle/>
+          <a:p>
+            <a:r>
+              <a:rPr lang="en-GB" sz="1050" b="1" dirty="0" smtClean="0"/>
+              <a:t>Brake</a:t>
+            </a:r>
+            <a:endParaRPr lang="en-GB" sz="1050" b="1" dirty="0" smtClean="0"/>
+          </a:p>
+          <a:p>
+            <a:r>
+              <a:rPr lang="en-GB" sz="1050" b="1" dirty="0" smtClean="0"/>
+              <a:t>Pedal</a:t>
+            </a:r>
+          </a:p>
+          <a:p>
+            <a:r>
+              <a:rPr lang="en-GB" sz="1050" b="1" dirty="0" smtClean="0"/>
+              <a:t>Position</a:t>
+            </a:r>
+          </a:p>
+          <a:p>
+            <a:r>
+              <a:rPr lang="en-GB" sz="1050" b="1" dirty="0" smtClean="0"/>
+              <a:t>Sensor</a:t>
+            </a:r>
+            <a:endParaRPr lang="en-GB" sz="1050" b="1" dirty="0" smtClean="0"/>
+          </a:p>
+        </p:txBody>
+      </p:sp>
+      <p:cxnSp>
+        <p:nvCxnSpPr>
+          <p:cNvPr id="101" name="Straight Connector 100"/>
+          <p:cNvCxnSpPr/>
+          <p:nvPr/>
+        </p:nvCxnSpPr>
+        <p:spPr>
+          <a:xfrm>
+            <a:off x="5867400" y="5943600"/>
+            <a:ext cx="2209800" cy="0"/>
+          </a:xfrm>
+          <a:prstGeom prst="line">
+            <a:avLst/>
+          </a:prstGeom>
+          <a:ln w="38100"/>
+        </p:spPr>
+        <p:style>
+          <a:lnRef idx="1">
+            <a:schemeClr val="accent1"/>
+          </a:lnRef>
+          <a:fillRef idx="0">
+            <a:schemeClr val="accent1"/>
+          </a:fillRef>
+          <a:effectRef idx="0">
+            <a:schemeClr val="accent1"/>
+          </a:effectRef>
+          <a:fontRef idx="minor">
+            <a:schemeClr val="tx1"/>
+          </a:fontRef>
+        </p:style>
+      </p:cxnSp>
+      <p:cxnSp>
+        <p:nvCxnSpPr>
+          <p:cNvPr id="106" name="Straight Connector 105"/>
+          <p:cNvCxnSpPr/>
+          <p:nvPr/>
+        </p:nvCxnSpPr>
+        <p:spPr>
+          <a:xfrm flipV="1">
+            <a:off x="5890439" y="5686018"/>
+            <a:ext cx="0" cy="291032"/>
+          </a:xfrm>
+          <a:prstGeom prst="line">
+            <a:avLst/>
+          </a:prstGeom>
+          <a:ln w="38100"/>
+        </p:spPr>
+        <p:style>
+          <a:lnRef idx="1">
+            <a:schemeClr val="accent1"/>
+          </a:lnRef>
+          <a:fillRef idx="0">
+            <a:schemeClr val="accent1"/>
+          </a:fillRef>
+          <a:effectRef idx="0">
+            <a:schemeClr val="accent1"/>
+          </a:effectRef>
+          <a:fontRef idx="minor">
+            <a:schemeClr val="tx1"/>
+          </a:fontRef>
+        </p:style>
+      </p:cxnSp>
+      <p:cxnSp>
+        <p:nvCxnSpPr>
+          <p:cNvPr id="107" name="Straight Connector 106"/>
+          <p:cNvCxnSpPr>
+            <a:endCxn id="100" idx="2"/>
+          </p:cNvCxnSpPr>
+          <p:nvPr/>
+        </p:nvCxnSpPr>
+        <p:spPr>
+          <a:xfrm flipV="1">
+            <a:off x="8077200" y="5688588"/>
+            <a:ext cx="0" cy="255012"/>
+          </a:xfrm>
+          <a:prstGeom prst="line">
+            <a:avLst/>
+          </a:prstGeom>
+          <a:ln w="38100"/>
+        </p:spPr>
+        <p:style>
+          <a:lnRef idx="1">
+            <a:schemeClr val="accent1"/>
+          </a:lnRef>
+          <a:fillRef idx="0">
+            <a:schemeClr val="accent1"/>
+          </a:fillRef>
+          <a:effectRef idx="0">
+            <a:schemeClr val="accent1"/>
+          </a:effectRef>
+          <a:fontRef idx="minor">
+            <a:schemeClr val="tx1"/>
+          </a:fontRef>
+        </p:style>
+      </p:cxnSp>
     </p:spTree>
     <p:extLst>
       <p:ext uri="{BB962C8B-B14F-4D97-AF65-F5344CB8AC3E}">
         <p14:creationId xmlns:p14="http://schemas.microsoft.com/office/powerpoint/2010/main" val="4201088692"/>
+      </p:ext>
+    </p:extLst>
+  </p:cSld>
+  <p:clrMapOvr>
+    <a:masterClrMapping/>
+  </p:clrMapOvr>
+</p:sld>
+</file>
+
+<file path=ppt/slides/slide2.xml><?xml version="1.0" encoding="utf-8"?>
+<p:sld xmlns:a="http://schemas.openxmlformats.org/drawingml/2006/main" xmlns:r="http://schemas.openxmlformats.org/officeDocument/2006/relationships" xmlns:p="http://schemas.openxmlformats.org/presentationml/2006/main">
+  <p:cSld>
+    <p:spTree>
+      <p:nvGrpSpPr>
+        <p:cNvPr id="1" name=""/>
+        <p:cNvGrpSpPr/>
+        <p:nvPr/>
+      </p:nvGrpSpPr>
+      <p:grpSpPr>
+        <a:xfrm>
+          <a:off x="0" y="0"/>
+          <a:ext cx="0" cy="0"/>
+          <a:chOff x="0" y="0"/>
+          <a:chExt cx="0" cy="0"/>
+        </a:xfrm>
+      </p:grpSpPr>
+      <p:sp>
+        <p:nvSpPr>
+          <p:cNvPr id="2" name="Title 1"/>
+          <p:cNvSpPr>
+            <a:spLocks noGrp="1"/>
+          </p:cNvSpPr>
+          <p:nvPr>
+            <p:ph type="title"/>
+          </p:nvPr>
+        </p:nvSpPr>
+        <p:spPr/>
+        <p:txBody>
+          <a:bodyPr/>
+          <a:lstStyle/>
+          <a:p>
+            <a:r>
+              <a:rPr lang="en-US" dirty="0" smtClean="0"/>
+              <a:t>Engine Management Unit</a:t>
+            </a:r>
+            <a:endParaRPr lang="en-US" dirty="0"/>
+          </a:p>
+        </p:txBody>
+      </p:sp>
+      <p:sp>
+        <p:nvSpPr>
+          <p:cNvPr id="4" name="TextBox 3"/>
+          <p:cNvSpPr txBox="1">
+            <a:spLocks/>
+          </p:cNvSpPr>
+          <p:nvPr/>
+        </p:nvSpPr>
+        <p:spPr>
+          <a:xfrm>
+            <a:off x="3269530" y="1752600"/>
+            <a:ext cx="1905000" cy="4754880"/>
+          </a:xfrm>
+          <a:prstGeom prst="rect">
+            <a:avLst/>
+          </a:prstGeom>
+          <a:solidFill>
+            <a:schemeClr val="accent2">
+              <a:lumMod val="60000"/>
+              <a:lumOff val="40000"/>
+            </a:schemeClr>
+          </a:solidFill>
+          <a:ln>
+            <a:solidFill>
+              <a:schemeClr val="tx1"/>
+            </a:solidFill>
+          </a:ln>
+        </p:spPr>
+        <p:txBody>
+          <a:bodyPr wrap="square" rtlCol="0">
+            <a:spAutoFit/>
+          </a:bodyPr>
+          <a:lstStyle>
+            <a:defPPr>
+              <a:defRPr lang="en-US"/>
+            </a:defPPr>
+            <a:lvl1pPr>
+              <a:defRPr sz="1400"/>
+            </a:lvl1pPr>
+          </a:lstStyle>
+          <a:p>
+            <a:r>
+              <a:rPr lang="en-GB" dirty="0"/>
+              <a:t>EMU</a:t>
+            </a:r>
+          </a:p>
+          <a:p>
+            <a:endParaRPr lang="en-GB" dirty="0"/>
+          </a:p>
+          <a:p>
+            <a:endParaRPr lang="en-GB" dirty="0"/>
+          </a:p>
+          <a:p>
+            <a:endParaRPr lang="en-GB" dirty="0"/>
+          </a:p>
+        </p:txBody>
+      </p:sp>
+      <p:sp>
+        <p:nvSpPr>
+          <p:cNvPr id="5" name="Rectangle 4"/>
+          <p:cNvSpPr/>
+          <p:nvPr/>
+        </p:nvSpPr>
+        <p:spPr>
+          <a:xfrm>
+            <a:off x="381000" y="2209800"/>
+            <a:ext cx="1905000" cy="304800"/>
+          </a:xfrm>
+          <a:prstGeom prst="rect">
+            <a:avLst/>
+          </a:prstGeom>
+          <a:noFill/>
+        </p:spPr>
+        <p:style>
+          <a:lnRef idx="2">
+            <a:schemeClr val="accent1">
+              <a:shade val="50000"/>
+            </a:schemeClr>
+          </a:lnRef>
+          <a:fillRef idx="1">
+            <a:schemeClr val="accent1"/>
+          </a:fillRef>
+          <a:effectRef idx="0">
+            <a:schemeClr val="accent1"/>
+          </a:effectRef>
+          <a:fontRef idx="minor">
+            <a:schemeClr val="lt1"/>
+          </a:fontRef>
+        </p:style>
+        <p:txBody>
+          <a:bodyPr rtlCol="0" anchor="ctr"/>
+          <a:lstStyle/>
+          <a:p>
+            <a:r>
+              <a:rPr lang="en-US" sz="1100" b="1" dirty="0">
+                <a:solidFill>
+                  <a:schemeClr val="tx1"/>
+                </a:solidFill>
+              </a:rPr>
+              <a:t>Throttle position </a:t>
+            </a:r>
+            <a:r>
+              <a:rPr lang="en-US" sz="1100" b="1" dirty="0" smtClean="0">
+                <a:solidFill>
+                  <a:schemeClr val="tx1"/>
+                </a:solidFill>
+              </a:rPr>
+              <a:t>sensor</a:t>
+            </a:r>
+            <a:endParaRPr lang="en-US" sz="1100" b="1" dirty="0">
+              <a:solidFill>
+                <a:schemeClr val="tx1"/>
+              </a:solidFill>
+            </a:endParaRPr>
+          </a:p>
+        </p:txBody>
+      </p:sp>
+      <p:cxnSp>
+        <p:nvCxnSpPr>
+          <p:cNvPr id="7" name="Straight Arrow Connector 6"/>
+          <p:cNvCxnSpPr>
+            <a:stCxn id="5" idx="3"/>
+          </p:cNvCxnSpPr>
+          <p:nvPr/>
+        </p:nvCxnSpPr>
+        <p:spPr>
+          <a:xfrm>
+            <a:off x="2286000" y="2362200"/>
+            <a:ext cx="990600" cy="0"/>
+          </a:xfrm>
+          <a:prstGeom prst="straightConnector1">
+            <a:avLst/>
+          </a:prstGeom>
+          <a:ln>
+            <a:tailEnd type="arrow"/>
+          </a:ln>
+        </p:spPr>
+        <p:style>
+          <a:lnRef idx="1">
+            <a:schemeClr val="accent1"/>
+          </a:lnRef>
+          <a:fillRef idx="0">
+            <a:schemeClr val="accent1"/>
+          </a:fillRef>
+          <a:effectRef idx="0">
+            <a:schemeClr val="accent1"/>
+          </a:effectRef>
+          <a:fontRef idx="minor">
+            <a:schemeClr val="tx1"/>
+          </a:fontRef>
+        </p:style>
+      </p:cxnSp>
+      <p:sp>
+        <p:nvSpPr>
+          <p:cNvPr id="8" name="Rectangle 7"/>
+          <p:cNvSpPr/>
+          <p:nvPr/>
+        </p:nvSpPr>
+        <p:spPr>
+          <a:xfrm>
+            <a:off x="373930" y="2590800"/>
+            <a:ext cx="1905000" cy="304800"/>
+          </a:xfrm>
+          <a:prstGeom prst="rect">
+            <a:avLst/>
+          </a:prstGeom>
+          <a:noFill/>
+        </p:spPr>
+        <p:style>
+          <a:lnRef idx="2">
+            <a:schemeClr val="accent1">
+              <a:shade val="50000"/>
+            </a:schemeClr>
+          </a:lnRef>
+          <a:fillRef idx="1">
+            <a:schemeClr val="accent1"/>
+          </a:fillRef>
+          <a:effectRef idx="0">
+            <a:schemeClr val="accent1"/>
+          </a:effectRef>
+          <a:fontRef idx="minor">
+            <a:schemeClr val="lt1"/>
+          </a:fontRef>
+        </p:style>
+        <p:txBody>
+          <a:bodyPr rtlCol="0" anchor="ctr"/>
+          <a:lstStyle/>
+          <a:p>
+            <a:r>
+              <a:rPr lang="en-US" sz="1100" b="1" dirty="0" smtClean="0">
+                <a:solidFill>
+                  <a:schemeClr val="tx1"/>
+                </a:solidFill>
+              </a:rPr>
+              <a:t>Coolant </a:t>
+            </a:r>
+            <a:r>
+              <a:rPr lang="en-US" sz="1100" b="1" dirty="0">
+                <a:solidFill>
+                  <a:schemeClr val="tx1"/>
+                </a:solidFill>
+              </a:rPr>
+              <a:t>temperature sensor</a:t>
+            </a:r>
+          </a:p>
+        </p:txBody>
+      </p:sp>
+      <p:cxnSp>
+        <p:nvCxnSpPr>
+          <p:cNvPr id="9" name="Straight Arrow Connector 8"/>
+          <p:cNvCxnSpPr>
+            <a:stCxn id="8" idx="3"/>
+          </p:cNvCxnSpPr>
+          <p:nvPr/>
+        </p:nvCxnSpPr>
+        <p:spPr>
+          <a:xfrm>
+            <a:off x="2278930" y="2743200"/>
+            <a:ext cx="990600" cy="0"/>
+          </a:xfrm>
+          <a:prstGeom prst="straightConnector1">
+            <a:avLst/>
+          </a:prstGeom>
+          <a:ln>
+            <a:tailEnd type="arrow"/>
+          </a:ln>
+        </p:spPr>
+        <p:style>
+          <a:lnRef idx="1">
+            <a:schemeClr val="accent1"/>
+          </a:lnRef>
+          <a:fillRef idx="0">
+            <a:schemeClr val="accent1"/>
+          </a:fillRef>
+          <a:effectRef idx="0">
+            <a:schemeClr val="accent1"/>
+          </a:effectRef>
+          <a:fontRef idx="minor">
+            <a:schemeClr val="tx1"/>
+          </a:fontRef>
+        </p:style>
+      </p:cxnSp>
+      <p:sp>
+        <p:nvSpPr>
+          <p:cNvPr id="10" name="Rectangle 9"/>
+          <p:cNvSpPr/>
+          <p:nvPr/>
+        </p:nvSpPr>
+        <p:spPr>
+          <a:xfrm>
+            <a:off x="381000" y="3810000"/>
+            <a:ext cx="1905000" cy="304800"/>
+          </a:xfrm>
+          <a:prstGeom prst="rect">
+            <a:avLst/>
+          </a:prstGeom>
+          <a:noFill/>
+        </p:spPr>
+        <p:style>
+          <a:lnRef idx="2">
+            <a:schemeClr val="accent1">
+              <a:shade val="50000"/>
+            </a:schemeClr>
+          </a:lnRef>
+          <a:fillRef idx="1">
+            <a:schemeClr val="accent1"/>
+          </a:fillRef>
+          <a:effectRef idx="0">
+            <a:schemeClr val="accent1"/>
+          </a:effectRef>
+          <a:fontRef idx="minor">
+            <a:schemeClr val="lt1"/>
+          </a:fontRef>
+        </p:style>
+        <p:txBody>
+          <a:bodyPr rtlCol="0" anchor="ctr"/>
+          <a:lstStyle/>
+          <a:p>
+            <a:r>
+              <a:rPr lang="en-US" sz="1100" dirty="0">
+                <a:solidFill>
+                  <a:schemeClr val="tx1">
+                    <a:lumMod val="50000"/>
+                    <a:lumOff val="50000"/>
+                  </a:schemeClr>
+                </a:solidFill>
+              </a:rPr>
+              <a:t>Ignition </a:t>
+            </a:r>
+            <a:r>
+              <a:rPr lang="en-US" sz="1100" dirty="0" smtClean="0">
+                <a:solidFill>
+                  <a:schemeClr val="tx1">
+                    <a:lumMod val="50000"/>
+                    <a:lumOff val="50000"/>
+                  </a:schemeClr>
+                </a:solidFill>
+              </a:rPr>
+              <a:t>switch</a:t>
+            </a:r>
+            <a:endParaRPr lang="en-US" sz="1100" dirty="0">
+              <a:solidFill>
+                <a:schemeClr val="tx1">
+                  <a:lumMod val="50000"/>
+                  <a:lumOff val="50000"/>
+                </a:schemeClr>
+              </a:solidFill>
+            </a:endParaRPr>
+          </a:p>
+        </p:txBody>
+      </p:sp>
+      <p:cxnSp>
+        <p:nvCxnSpPr>
+          <p:cNvPr id="11" name="Straight Arrow Connector 10"/>
+          <p:cNvCxnSpPr>
+            <a:stCxn id="10" idx="3"/>
+          </p:cNvCxnSpPr>
+          <p:nvPr/>
+        </p:nvCxnSpPr>
+        <p:spPr>
+          <a:xfrm>
+            <a:off x="2286000" y="3962400"/>
+            <a:ext cx="990600" cy="0"/>
+          </a:xfrm>
+          <a:prstGeom prst="straightConnector1">
+            <a:avLst/>
+          </a:prstGeom>
+          <a:ln>
+            <a:tailEnd type="arrow"/>
+          </a:ln>
+        </p:spPr>
+        <p:style>
+          <a:lnRef idx="1">
+            <a:schemeClr val="accent1"/>
+          </a:lnRef>
+          <a:fillRef idx="0">
+            <a:schemeClr val="accent1"/>
+          </a:fillRef>
+          <a:effectRef idx="0">
+            <a:schemeClr val="accent1"/>
+          </a:effectRef>
+          <a:fontRef idx="minor">
+            <a:schemeClr val="tx1"/>
+          </a:fontRef>
+        </p:style>
+      </p:cxnSp>
+      <p:sp>
+        <p:nvSpPr>
+          <p:cNvPr id="12" name="Rectangle 11"/>
+          <p:cNvSpPr/>
+          <p:nvPr/>
+        </p:nvSpPr>
+        <p:spPr>
+          <a:xfrm>
+            <a:off x="381000" y="4572000"/>
+            <a:ext cx="1905000" cy="304800"/>
+          </a:xfrm>
+          <a:prstGeom prst="rect">
+            <a:avLst/>
+          </a:prstGeom>
+          <a:noFill/>
+        </p:spPr>
+        <p:style>
+          <a:lnRef idx="2">
+            <a:schemeClr val="accent1">
+              <a:shade val="50000"/>
+            </a:schemeClr>
+          </a:lnRef>
+          <a:fillRef idx="1">
+            <a:schemeClr val="accent1"/>
+          </a:fillRef>
+          <a:effectRef idx="0">
+            <a:schemeClr val="accent1"/>
+          </a:effectRef>
+          <a:fontRef idx="minor">
+            <a:schemeClr val="lt1"/>
+          </a:fontRef>
+        </p:style>
+        <p:txBody>
+          <a:bodyPr rtlCol="0" anchor="ctr"/>
+          <a:lstStyle/>
+          <a:p>
+            <a:r>
+              <a:rPr lang="en-US" sz="1100" dirty="0">
+                <a:solidFill>
+                  <a:schemeClr val="tx1">
+                    <a:lumMod val="50000"/>
+                    <a:lumOff val="50000"/>
+                  </a:schemeClr>
+                </a:solidFill>
+              </a:rPr>
+              <a:t>Air temperature sensor</a:t>
+            </a:r>
+            <a:endParaRPr lang="en-US" sz="1100" dirty="0">
+              <a:solidFill>
+                <a:schemeClr val="tx1">
+                  <a:lumMod val="50000"/>
+                  <a:lumOff val="50000"/>
+                </a:schemeClr>
+              </a:solidFill>
+            </a:endParaRPr>
+          </a:p>
+        </p:txBody>
+      </p:sp>
+      <p:cxnSp>
+        <p:nvCxnSpPr>
+          <p:cNvPr id="13" name="Straight Arrow Connector 12"/>
+          <p:cNvCxnSpPr>
+            <a:stCxn id="12" idx="3"/>
+          </p:cNvCxnSpPr>
+          <p:nvPr/>
+        </p:nvCxnSpPr>
+        <p:spPr>
+          <a:xfrm>
+            <a:off x="2286000" y="4724400"/>
+            <a:ext cx="990600" cy="0"/>
+          </a:xfrm>
+          <a:prstGeom prst="straightConnector1">
+            <a:avLst/>
+          </a:prstGeom>
+          <a:ln>
+            <a:tailEnd type="arrow"/>
+          </a:ln>
+        </p:spPr>
+        <p:style>
+          <a:lnRef idx="1">
+            <a:schemeClr val="accent1"/>
+          </a:lnRef>
+          <a:fillRef idx="0">
+            <a:schemeClr val="accent1"/>
+          </a:fillRef>
+          <a:effectRef idx="0">
+            <a:schemeClr val="accent1"/>
+          </a:effectRef>
+          <a:fontRef idx="minor">
+            <a:schemeClr val="tx1"/>
+          </a:fontRef>
+        </p:style>
+      </p:cxnSp>
+      <p:sp>
+        <p:nvSpPr>
+          <p:cNvPr id="14" name="Rectangle 13"/>
+          <p:cNvSpPr/>
+          <p:nvPr/>
+        </p:nvSpPr>
+        <p:spPr>
+          <a:xfrm>
+            <a:off x="381000" y="4191000"/>
+            <a:ext cx="1905000" cy="304800"/>
+          </a:xfrm>
+          <a:prstGeom prst="rect">
+            <a:avLst/>
+          </a:prstGeom>
+          <a:noFill/>
+        </p:spPr>
+        <p:style>
+          <a:lnRef idx="2">
+            <a:schemeClr val="accent1">
+              <a:shade val="50000"/>
+            </a:schemeClr>
+          </a:lnRef>
+          <a:fillRef idx="1">
+            <a:schemeClr val="accent1"/>
+          </a:fillRef>
+          <a:effectRef idx="0">
+            <a:schemeClr val="accent1"/>
+          </a:effectRef>
+          <a:fontRef idx="minor">
+            <a:schemeClr val="lt1"/>
+          </a:fontRef>
+        </p:style>
+        <p:txBody>
+          <a:bodyPr rtlCol="0" anchor="ctr"/>
+          <a:lstStyle/>
+          <a:p>
+            <a:r>
+              <a:rPr lang="en-US" sz="1100" dirty="0">
+                <a:solidFill>
+                  <a:schemeClr val="tx1">
+                    <a:lumMod val="50000"/>
+                    <a:lumOff val="50000"/>
+                  </a:schemeClr>
+                </a:solidFill>
+              </a:rPr>
+              <a:t>Vehicle Speed sensor</a:t>
+            </a:r>
+          </a:p>
+        </p:txBody>
+      </p:sp>
+      <p:cxnSp>
+        <p:nvCxnSpPr>
+          <p:cNvPr id="15" name="Straight Arrow Connector 14"/>
+          <p:cNvCxnSpPr>
+            <a:stCxn id="14" idx="3"/>
+          </p:cNvCxnSpPr>
+          <p:nvPr/>
+        </p:nvCxnSpPr>
+        <p:spPr>
+          <a:xfrm>
+            <a:off x="2286000" y="4343400"/>
+            <a:ext cx="990600" cy="0"/>
+          </a:xfrm>
+          <a:prstGeom prst="straightConnector1">
+            <a:avLst/>
+          </a:prstGeom>
+          <a:ln>
+            <a:tailEnd type="arrow"/>
+          </a:ln>
+        </p:spPr>
+        <p:style>
+          <a:lnRef idx="1">
+            <a:schemeClr val="accent1"/>
+          </a:lnRef>
+          <a:fillRef idx="0">
+            <a:schemeClr val="accent1"/>
+          </a:fillRef>
+          <a:effectRef idx="0">
+            <a:schemeClr val="accent1"/>
+          </a:effectRef>
+          <a:fontRef idx="minor">
+            <a:schemeClr val="tx1"/>
+          </a:fontRef>
+        </p:style>
+      </p:cxnSp>
+      <p:sp>
+        <p:nvSpPr>
+          <p:cNvPr id="16" name="Rectangle 15"/>
+          <p:cNvSpPr/>
+          <p:nvPr/>
+        </p:nvSpPr>
+        <p:spPr>
+          <a:xfrm>
+            <a:off x="381000" y="2971800"/>
+            <a:ext cx="1905000" cy="304800"/>
+          </a:xfrm>
+          <a:prstGeom prst="rect">
+            <a:avLst/>
+          </a:prstGeom>
+          <a:noFill/>
+        </p:spPr>
+        <p:style>
+          <a:lnRef idx="2">
+            <a:schemeClr val="accent1">
+              <a:shade val="50000"/>
+            </a:schemeClr>
+          </a:lnRef>
+          <a:fillRef idx="1">
+            <a:schemeClr val="accent1"/>
+          </a:fillRef>
+          <a:effectRef idx="0">
+            <a:schemeClr val="accent1"/>
+          </a:effectRef>
+          <a:fontRef idx="minor">
+            <a:schemeClr val="lt1"/>
+          </a:fontRef>
+        </p:style>
+        <p:txBody>
+          <a:bodyPr rtlCol="0" anchor="ctr"/>
+          <a:lstStyle/>
+          <a:p>
+            <a:r>
+              <a:rPr lang="en-US" sz="1100" b="1" dirty="0" smtClean="0">
+                <a:solidFill>
+                  <a:schemeClr val="tx1"/>
+                </a:solidFill>
+              </a:rPr>
+              <a:t>Engine oil pressure Sensor</a:t>
+            </a:r>
+            <a:endParaRPr lang="en-US" sz="1100" b="1" dirty="0">
+              <a:solidFill>
+                <a:schemeClr val="tx1"/>
+              </a:solidFill>
+            </a:endParaRPr>
+          </a:p>
+        </p:txBody>
+      </p:sp>
+      <p:cxnSp>
+        <p:nvCxnSpPr>
+          <p:cNvPr id="17" name="Straight Arrow Connector 16"/>
+          <p:cNvCxnSpPr>
+            <a:stCxn id="16" idx="3"/>
+          </p:cNvCxnSpPr>
+          <p:nvPr/>
+        </p:nvCxnSpPr>
+        <p:spPr>
+          <a:xfrm>
+            <a:off x="2286000" y="3124200"/>
+            <a:ext cx="990600" cy="0"/>
+          </a:xfrm>
+          <a:prstGeom prst="straightConnector1">
+            <a:avLst/>
+          </a:prstGeom>
+          <a:ln>
+            <a:tailEnd type="arrow"/>
+          </a:ln>
+        </p:spPr>
+        <p:style>
+          <a:lnRef idx="1">
+            <a:schemeClr val="accent1"/>
+          </a:lnRef>
+          <a:fillRef idx="0">
+            <a:schemeClr val="accent1"/>
+          </a:fillRef>
+          <a:effectRef idx="0">
+            <a:schemeClr val="accent1"/>
+          </a:effectRef>
+          <a:fontRef idx="minor">
+            <a:schemeClr val="tx1"/>
+          </a:fontRef>
+        </p:style>
+      </p:cxnSp>
+      <p:sp>
+        <p:nvSpPr>
+          <p:cNvPr id="18" name="Rectangle 17"/>
+          <p:cNvSpPr/>
+          <p:nvPr/>
+        </p:nvSpPr>
+        <p:spPr>
+          <a:xfrm>
+            <a:off x="381000" y="4953000"/>
+            <a:ext cx="1905000" cy="304800"/>
+          </a:xfrm>
+          <a:prstGeom prst="rect">
+            <a:avLst/>
+          </a:prstGeom>
+          <a:noFill/>
+        </p:spPr>
+        <p:style>
+          <a:lnRef idx="2">
+            <a:schemeClr val="accent1">
+              <a:shade val="50000"/>
+            </a:schemeClr>
+          </a:lnRef>
+          <a:fillRef idx="1">
+            <a:schemeClr val="accent1"/>
+          </a:fillRef>
+          <a:effectRef idx="0">
+            <a:schemeClr val="accent1"/>
+          </a:effectRef>
+          <a:fontRef idx="minor">
+            <a:schemeClr val="lt1"/>
+          </a:fontRef>
+        </p:style>
+        <p:txBody>
+          <a:bodyPr rtlCol="0" anchor="ctr"/>
+          <a:lstStyle/>
+          <a:p>
+            <a:r>
+              <a:rPr lang="en-US" sz="1100" dirty="0">
+                <a:solidFill>
+                  <a:schemeClr val="tx1">
+                    <a:lumMod val="50000"/>
+                    <a:lumOff val="50000"/>
+                  </a:schemeClr>
+                </a:solidFill>
+              </a:rPr>
+              <a:t>Lambda (Oxygen) sensor </a:t>
+            </a:r>
+          </a:p>
+        </p:txBody>
+      </p:sp>
+      <p:cxnSp>
+        <p:nvCxnSpPr>
+          <p:cNvPr id="19" name="Straight Arrow Connector 18"/>
+          <p:cNvCxnSpPr>
+            <a:stCxn id="18" idx="3"/>
+          </p:cNvCxnSpPr>
+          <p:nvPr/>
+        </p:nvCxnSpPr>
+        <p:spPr>
+          <a:xfrm>
+            <a:off x="2286000" y="5105400"/>
+            <a:ext cx="990600" cy="0"/>
+          </a:xfrm>
+          <a:prstGeom prst="straightConnector1">
+            <a:avLst/>
+          </a:prstGeom>
+          <a:ln>
+            <a:tailEnd type="arrow"/>
+          </a:ln>
+        </p:spPr>
+        <p:style>
+          <a:lnRef idx="1">
+            <a:schemeClr val="accent1"/>
+          </a:lnRef>
+          <a:fillRef idx="0">
+            <a:schemeClr val="accent1"/>
+          </a:fillRef>
+          <a:effectRef idx="0">
+            <a:schemeClr val="accent1"/>
+          </a:effectRef>
+          <a:fontRef idx="minor">
+            <a:schemeClr val="tx1"/>
+          </a:fontRef>
+        </p:style>
+      </p:cxnSp>
+      <p:sp>
+        <p:nvSpPr>
+          <p:cNvPr id="22" name="Rectangle 21"/>
+          <p:cNvSpPr/>
+          <p:nvPr/>
+        </p:nvSpPr>
+        <p:spPr>
+          <a:xfrm>
+            <a:off x="381000" y="1828800"/>
+            <a:ext cx="1905000" cy="304800"/>
+          </a:xfrm>
+          <a:prstGeom prst="rect">
+            <a:avLst/>
+          </a:prstGeom>
+          <a:noFill/>
+        </p:spPr>
+        <p:style>
+          <a:lnRef idx="2">
+            <a:schemeClr val="accent1">
+              <a:shade val="50000"/>
+            </a:schemeClr>
+          </a:lnRef>
+          <a:fillRef idx="1">
+            <a:schemeClr val="accent1"/>
+          </a:fillRef>
+          <a:effectRef idx="0">
+            <a:schemeClr val="accent1"/>
+          </a:effectRef>
+          <a:fontRef idx="minor">
+            <a:schemeClr val="lt1"/>
+          </a:fontRef>
+        </p:style>
+        <p:txBody>
+          <a:bodyPr rtlCol="0" anchor="ctr"/>
+          <a:lstStyle/>
+          <a:p>
+            <a:r>
+              <a:rPr lang="en-US" sz="1100" b="1" dirty="0">
+                <a:solidFill>
+                  <a:schemeClr val="tx1"/>
+                </a:solidFill>
+              </a:rPr>
+              <a:t>Engine speed sensor - </a:t>
+            </a:r>
+            <a:r>
+              <a:rPr lang="en-US" sz="1100" b="1" dirty="0" smtClean="0">
+                <a:solidFill>
+                  <a:schemeClr val="tx1"/>
+                </a:solidFill>
+              </a:rPr>
+              <a:t>RPM</a:t>
+            </a:r>
+            <a:endParaRPr lang="en-US" sz="1100" b="1" dirty="0">
+              <a:solidFill>
+                <a:schemeClr val="tx1"/>
+              </a:solidFill>
+            </a:endParaRPr>
+          </a:p>
+        </p:txBody>
+      </p:sp>
+      <p:cxnSp>
+        <p:nvCxnSpPr>
+          <p:cNvPr id="23" name="Straight Arrow Connector 22"/>
+          <p:cNvCxnSpPr>
+            <a:stCxn id="22" idx="3"/>
+          </p:cNvCxnSpPr>
+          <p:nvPr/>
+        </p:nvCxnSpPr>
+        <p:spPr>
+          <a:xfrm>
+            <a:off x="2286000" y="1981200"/>
+            <a:ext cx="990600" cy="0"/>
+          </a:xfrm>
+          <a:prstGeom prst="straightConnector1">
+            <a:avLst/>
+          </a:prstGeom>
+          <a:ln>
+            <a:tailEnd type="arrow"/>
+          </a:ln>
+        </p:spPr>
+        <p:style>
+          <a:lnRef idx="1">
+            <a:schemeClr val="accent1"/>
+          </a:lnRef>
+          <a:fillRef idx="0">
+            <a:schemeClr val="accent1"/>
+          </a:fillRef>
+          <a:effectRef idx="0">
+            <a:schemeClr val="accent1"/>
+          </a:effectRef>
+          <a:fontRef idx="minor">
+            <a:schemeClr val="tx1"/>
+          </a:fontRef>
+        </p:style>
+      </p:cxnSp>
+      <p:sp>
+        <p:nvSpPr>
+          <p:cNvPr id="24" name="Rectangle 23"/>
+          <p:cNvSpPr/>
+          <p:nvPr/>
+        </p:nvSpPr>
+        <p:spPr>
+          <a:xfrm>
+            <a:off x="381000" y="5334000"/>
+            <a:ext cx="1905000" cy="304800"/>
+          </a:xfrm>
+          <a:prstGeom prst="rect">
+            <a:avLst/>
+          </a:prstGeom>
+          <a:noFill/>
+        </p:spPr>
+        <p:style>
+          <a:lnRef idx="2">
+            <a:schemeClr val="accent1">
+              <a:shade val="50000"/>
+            </a:schemeClr>
+          </a:lnRef>
+          <a:fillRef idx="1">
+            <a:schemeClr val="accent1"/>
+          </a:fillRef>
+          <a:effectRef idx="0">
+            <a:schemeClr val="accent1"/>
+          </a:effectRef>
+          <a:fontRef idx="minor">
+            <a:schemeClr val="lt1"/>
+          </a:fontRef>
+        </p:style>
+        <p:txBody>
+          <a:bodyPr rtlCol="0" anchor="ctr"/>
+          <a:lstStyle/>
+          <a:p>
+            <a:r>
+              <a:rPr lang="en-US" sz="1100" dirty="0">
+                <a:solidFill>
+                  <a:schemeClr val="tx1">
+                    <a:lumMod val="50000"/>
+                    <a:lumOff val="50000"/>
+                  </a:schemeClr>
+                </a:solidFill>
+              </a:rPr>
+              <a:t>Battery </a:t>
+            </a:r>
+            <a:r>
+              <a:rPr lang="en-US" sz="1100" dirty="0" smtClean="0">
+                <a:solidFill>
+                  <a:schemeClr val="tx1">
+                    <a:lumMod val="50000"/>
+                    <a:lumOff val="50000"/>
+                  </a:schemeClr>
+                </a:solidFill>
+              </a:rPr>
+              <a:t>voltage</a:t>
+            </a:r>
+            <a:endParaRPr lang="en-US" sz="1100" dirty="0">
+              <a:solidFill>
+                <a:schemeClr val="tx1">
+                  <a:lumMod val="50000"/>
+                  <a:lumOff val="50000"/>
+                </a:schemeClr>
+              </a:solidFill>
+            </a:endParaRPr>
+          </a:p>
+        </p:txBody>
+      </p:sp>
+      <p:cxnSp>
+        <p:nvCxnSpPr>
+          <p:cNvPr id="25" name="Straight Arrow Connector 24"/>
+          <p:cNvCxnSpPr>
+            <a:stCxn id="24" idx="3"/>
+          </p:cNvCxnSpPr>
+          <p:nvPr/>
+        </p:nvCxnSpPr>
+        <p:spPr>
+          <a:xfrm>
+            <a:off x="2286000" y="5486400"/>
+            <a:ext cx="990600" cy="0"/>
+          </a:xfrm>
+          <a:prstGeom prst="straightConnector1">
+            <a:avLst/>
+          </a:prstGeom>
+          <a:ln>
+            <a:tailEnd type="arrow"/>
+          </a:ln>
+        </p:spPr>
+        <p:style>
+          <a:lnRef idx="1">
+            <a:schemeClr val="accent1"/>
+          </a:lnRef>
+          <a:fillRef idx="0">
+            <a:schemeClr val="accent1"/>
+          </a:fillRef>
+          <a:effectRef idx="0">
+            <a:schemeClr val="accent1"/>
+          </a:effectRef>
+          <a:fontRef idx="minor">
+            <a:schemeClr val="tx1"/>
+          </a:fontRef>
+        </p:style>
+      </p:cxnSp>
+      <p:sp>
+        <p:nvSpPr>
+          <p:cNvPr id="28" name="Rectangle 27"/>
+          <p:cNvSpPr/>
+          <p:nvPr/>
+        </p:nvSpPr>
+        <p:spPr>
+          <a:xfrm>
+            <a:off x="381000" y="5715000"/>
+            <a:ext cx="1905000" cy="304800"/>
+          </a:xfrm>
+          <a:prstGeom prst="rect">
+            <a:avLst/>
+          </a:prstGeom>
+          <a:noFill/>
+        </p:spPr>
+        <p:style>
+          <a:lnRef idx="2">
+            <a:schemeClr val="accent1">
+              <a:shade val="50000"/>
+            </a:schemeClr>
+          </a:lnRef>
+          <a:fillRef idx="1">
+            <a:schemeClr val="accent1"/>
+          </a:fillRef>
+          <a:effectRef idx="0">
+            <a:schemeClr val="accent1"/>
+          </a:effectRef>
+          <a:fontRef idx="minor">
+            <a:schemeClr val="lt1"/>
+          </a:fontRef>
+        </p:style>
+        <p:txBody>
+          <a:bodyPr rtlCol="0" anchor="ctr"/>
+          <a:lstStyle/>
+          <a:p>
+            <a:r>
+              <a:rPr lang="en-US" sz="1100" dirty="0">
+                <a:solidFill>
+                  <a:schemeClr val="tx1">
+                    <a:lumMod val="50000"/>
+                    <a:lumOff val="50000"/>
+                  </a:schemeClr>
+                </a:solidFill>
+              </a:rPr>
+              <a:t>Camshaft position sensor</a:t>
+            </a:r>
+          </a:p>
+        </p:txBody>
+      </p:sp>
+      <p:cxnSp>
+        <p:nvCxnSpPr>
+          <p:cNvPr id="29" name="Straight Arrow Connector 28"/>
+          <p:cNvCxnSpPr>
+            <a:stCxn id="28" idx="3"/>
+          </p:cNvCxnSpPr>
+          <p:nvPr/>
+        </p:nvCxnSpPr>
+        <p:spPr>
+          <a:xfrm>
+            <a:off x="2286000" y="5867400"/>
+            <a:ext cx="990600" cy="0"/>
+          </a:xfrm>
+          <a:prstGeom prst="straightConnector1">
+            <a:avLst/>
+          </a:prstGeom>
+          <a:ln>
+            <a:tailEnd type="arrow"/>
+          </a:ln>
+        </p:spPr>
+        <p:style>
+          <a:lnRef idx="1">
+            <a:schemeClr val="accent1"/>
+          </a:lnRef>
+          <a:fillRef idx="0">
+            <a:schemeClr val="accent1"/>
+          </a:fillRef>
+          <a:effectRef idx="0">
+            <a:schemeClr val="accent1"/>
+          </a:effectRef>
+          <a:fontRef idx="minor">
+            <a:schemeClr val="tx1"/>
+          </a:fontRef>
+        </p:style>
+      </p:cxnSp>
+      <p:sp>
+        <p:nvSpPr>
+          <p:cNvPr id="30" name="Rectangle 29"/>
+          <p:cNvSpPr/>
+          <p:nvPr/>
+        </p:nvSpPr>
+        <p:spPr>
+          <a:xfrm>
+            <a:off x="5867400" y="1828800"/>
+            <a:ext cx="1905000" cy="304800"/>
+          </a:xfrm>
+          <a:prstGeom prst="rect">
+            <a:avLst/>
+          </a:prstGeom>
+          <a:noFill/>
+        </p:spPr>
+        <p:style>
+          <a:lnRef idx="2">
+            <a:schemeClr val="accent1">
+              <a:shade val="50000"/>
+            </a:schemeClr>
+          </a:lnRef>
+          <a:fillRef idx="1">
+            <a:schemeClr val="accent1"/>
+          </a:fillRef>
+          <a:effectRef idx="0">
+            <a:schemeClr val="accent1"/>
+          </a:effectRef>
+          <a:fontRef idx="minor">
+            <a:schemeClr val="lt1"/>
+          </a:fontRef>
+        </p:style>
+        <p:txBody>
+          <a:bodyPr rtlCol="0" anchor="ctr"/>
+          <a:lstStyle/>
+          <a:p>
+            <a:pPr algn="ctr"/>
+            <a:r>
+              <a:rPr lang="en-US" sz="1100" b="1" dirty="0" smtClean="0">
+                <a:solidFill>
+                  <a:schemeClr val="tx1"/>
+                </a:solidFill>
+              </a:rPr>
+              <a:t>Ignition</a:t>
+            </a:r>
+            <a:endParaRPr lang="en-US" sz="1100" b="1" dirty="0">
+              <a:solidFill>
+                <a:schemeClr val="tx1"/>
+              </a:solidFill>
+            </a:endParaRPr>
+          </a:p>
+        </p:txBody>
+      </p:sp>
+      <p:cxnSp>
+        <p:nvCxnSpPr>
+          <p:cNvPr id="31" name="Straight Arrow Connector 30"/>
+          <p:cNvCxnSpPr>
+            <a:endCxn id="30" idx="1"/>
+          </p:cNvCxnSpPr>
+          <p:nvPr/>
+        </p:nvCxnSpPr>
+        <p:spPr>
+          <a:xfrm>
+            <a:off x="5181600" y="1981200"/>
+            <a:ext cx="685800" cy="0"/>
+          </a:xfrm>
+          <a:prstGeom prst="straightConnector1">
+            <a:avLst/>
+          </a:prstGeom>
+          <a:ln>
+            <a:tailEnd type="arrow"/>
+          </a:ln>
+        </p:spPr>
+        <p:style>
+          <a:lnRef idx="1">
+            <a:schemeClr val="accent1"/>
+          </a:lnRef>
+          <a:fillRef idx="0">
+            <a:schemeClr val="accent1"/>
+          </a:fillRef>
+          <a:effectRef idx="0">
+            <a:schemeClr val="accent1"/>
+          </a:effectRef>
+          <a:fontRef idx="minor">
+            <a:schemeClr val="tx1"/>
+          </a:fontRef>
+        </p:style>
+      </p:cxnSp>
+      <p:sp>
+        <p:nvSpPr>
+          <p:cNvPr id="33" name="Rectangle 32"/>
+          <p:cNvSpPr/>
+          <p:nvPr/>
+        </p:nvSpPr>
+        <p:spPr>
+          <a:xfrm>
+            <a:off x="5867400" y="2209800"/>
+            <a:ext cx="1905000" cy="304800"/>
+          </a:xfrm>
+          <a:prstGeom prst="rect">
+            <a:avLst/>
+          </a:prstGeom>
+          <a:noFill/>
+        </p:spPr>
+        <p:style>
+          <a:lnRef idx="2">
+            <a:schemeClr val="accent1">
+              <a:shade val="50000"/>
+            </a:schemeClr>
+          </a:lnRef>
+          <a:fillRef idx="1">
+            <a:schemeClr val="accent1"/>
+          </a:fillRef>
+          <a:effectRef idx="0">
+            <a:schemeClr val="accent1"/>
+          </a:effectRef>
+          <a:fontRef idx="minor">
+            <a:schemeClr val="lt1"/>
+          </a:fontRef>
+        </p:style>
+        <p:txBody>
+          <a:bodyPr rtlCol="0" anchor="ctr"/>
+          <a:lstStyle/>
+          <a:p>
+            <a:pPr algn="ctr"/>
+            <a:r>
+              <a:rPr lang="en-US" sz="1100" b="1" dirty="0" smtClean="0">
+                <a:solidFill>
+                  <a:schemeClr val="tx1"/>
+                </a:solidFill>
+              </a:rPr>
+              <a:t>Injectors</a:t>
+            </a:r>
+            <a:endParaRPr lang="en-US" sz="1100" b="1" dirty="0">
+              <a:solidFill>
+                <a:schemeClr val="tx1"/>
+              </a:solidFill>
+            </a:endParaRPr>
+          </a:p>
+        </p:txBody>
+      </p:sp>
+      <p:cxnSp>
+        <p:nvCxnSpPr>
+          <p:cNvPr id="34" name="Straight Arrow Connector 33"/>
+          <p:cNvCxnSpPr>
+            <a:endCxn id="33" idx="1"/>
+          </p:cNvCxnSpPr>
+          <p:nvPr/>
+        </p:nvCxnSpPr>
+        <p:spPr>
+          <a:xfrm>
+            <a:off x="5181600" y="2362200"/>
+            <a:ext cx="685800" cy="0"/>
+          </a:xfrm>
+          <a:prstGeom prst="straightConnector1">
+            <a:avLst/>
+          </a:prstGeom>
+          <a:ln>
+            <a:tailEnd type="arrow"/>
+          </a:ln>
+        </p:spPr>
+        <p:style>
+          <a:lnRef idx="1">
+            <a:schemeClr val="accent1"/>
+          </a:lnRef>
+          <a:fillRef idx="0">
+            <a:schemeClr val="accent1"/>
+          </a:fillRef>
+          <a:effectRef idx="0">
+            <a:schemeClr val="accent1"/>
+          </a:effectRef>
+          <a:fontRef idx="minor">
+            <a:schemeClr val="tx1"/>
+          </a:fontRef>
+        </p:style>
+      </p:cxnSp>
+      <p:sp>
+        <p:nvSpPr>
+          <p:cNvPr id="35" name="Rectangle 34"/>
+          <p:cNvSpPr/>
+          <p:nvPr/>
+        </p:nvSpPr>
+        <p:spPr>
+          <a:xfrm>
+            <a:off x="5867400" y="2590800"/>
+            <a:ext cx="1905000" cy="304800"/>
+          </a:xfrm>
+          <a:prstGeom prst="rect">
+            <a:avLst/>
+          </a:prstGeom>
+          <a:noFill/>
+        </p:spPr>
+        <p:style>
+          <a:lnRef idx="2">
+            <a:schemeClr val="accent1">
+              <a:shade val="50000"/>
+            </a:schemeClr>
+          </a:lnRef>
+          <a:fillRef idx="1">
+            <a:schemeClr val="accent1"/>
+          </a:fillRef>
+          <a:effectRef idx="0">
+            <a:schemeClr val="accent1"/>
+          </a:effectRef>
+          <a:fontRef idx="minor">
+            <a:schemeClr val="lt1"/>
+          </a:fontRef>
+        </p:style>
+        <p:txBody>
+          <a:bodyPr rtlCol="0" anchor="ctr"/>
+          <a:lstStyle/>
+          <a:p>
+            <a:pPr algn="ctr"/>
+            <a:r>
+              <a:rPr lang="en-US" sz="1100" b="1" dirty="0" smtClean="0">
+                <a:solidFill>
+                  <a:schemeClr val="tx1"/>
+                </a:solidFill>
+              </a:rPr>
+              <a:t>Cooling fan</a:t>
+            </a:r>
+            <a:endParaRPr lang="en-US" sz="1100" b="1" dirty="0">
+              <a:solidFill>
+                <a:schemeClr val="tx1"/>
+              </a:solidFill>
+            </a:endParaRPr>
+          </a:p>
+        </p:txBody>
+      </p:sp>
+      <p:cxnSp>
+        <p:nvCxnSpPr>
+          <p:cNvPr id="36" name="Straight Arrow Connector 35"/>
+          <p:cNvCxnSpPr>
+            <a:endCxn id="35" idx="1"/>
+          </p:cNvCxnSpPr>
+          <p:nvPr/>
+        </p:nvCxnSpPr>
+        <p:spPr>
+          <a:xfrm>
+            <a:off x="5181600" y="2743200"/>
+            <a:ext cx="685800" cy="0"/>
+          </a:xfrm>
+          <a:prstGeom prst="straightConnector1">
+            <a:avLst/>
+          </a:prstGeom>
+          <a:ln>
+            <a:tailEnd type="arrow"/>
+          </a:ln>
+        </p:spPr>
+        <p:style>
+          <a:lnRef idx="1">
+            <a:schemeClr val="accent1"/>
+          </a:lnRef>
+          <a:fillRef idx="0">
+            <a:schemeClr val="accent1"/>
+          </a:fillRef>
+          <a:effectRef idx="0">
+            <a:schemeClr val="accent1"/>
+          </a:effectRef>
+          <a:fontRef idx="minor">
+            <a:schemeClr val="tx1"/>
+          </a:fontRef>
+        </p:style>
+      </p:cxnSp>
+      <p:sp>
+        <p:nvSpPr>
+          <p:cNvPr id="37" name="Rectangle 36"/>
+          <p:cNvSpPr/>
+          <p:nvPr/>
+        </p:nvSpPr>
+        <p:spPr>
+          <a:xfrm>
+            <a:off x="5867400" y="2971800"/>
+            <a:ext cx="1905000" cy="304800"/>
+          </a:xfrm>
+          <a:prstGeom prst="rect">
+            <a:avLst/>
+          </a:prstGeom>
+          <a:noFill/>
+        </p:spPr>
+        <p:style>
+          <a:lnRef idx="2">
+            <a:schemeClr val="accent1">
+              <a:shade val="50000"/>
+            </a:schemeClr>
+          </a:lnRef>
+          <a:fillRef idx="1">
+            <a:schemeClr val="accent1"/>
+          </a:fillRef>
+          <a:effectRef idx="0">
+            <a:schemeClr val="accent1"/>
+          </a:effectRef>
+          <a:fontRef idx="minor">
+            <a:schemeClr val="lt1"/>
+          </a:fontRef>
+        </p:style>
+        <p:txBody>
+          <a:bodyPr rtlCol="0" anchor="ctr"/>
+          <a:lstStyle/>
+          <a:p>
+            <a:pPr algn="ctr"/>
+            <a:r>
+              <a:rPr lang="en-US" sz="1100" b="1" dirty="0">
+                <a:solidFill>
+                  <a:schemeClr val="tx1"/>
+                </a:solidFill>
+              </a:rPr>
+              <a:t>Throttle Control</a:t>
+            </a:r>
+          </a:p>
+        </p:txBody>
+      </p:sp>
+      <p:cxnSp>
+        <p:nvCxnSpPr>
+          <p:cNvPr id="38" name="Straight Arrow Connector 37"/>
+          <p:cNvCxnSpPr>
+            <a:endCxn id="37" idx="1"/>
+          </p:cNvCxnSpPr>
+          <p:nvPr/>
+        </p:nvCxnSpPr>
+        <p:spPr>
+          <a:xfrm>
+            <a:off x="5181600" y="3124200"/>
+            <a:ext cx="685800" cy="0"/>
+          </a:xfrm>
+          <a:prstGeom prst="straightConnector1">
+            <a:avLst/>
+          </a:prstGeom>
+          <a:ln>
+            <a:tailEnd type="arrow"/>
+          </a:ln>
+        </p:spPr>
+        <p:style>
+          <a:lnRef idx="1">
+            <a:schemeClr val="accent1"/>
+          </a:lnRef>
+          <a:fillRef idx="0">
+            <a:schemeClr val="accent1"/>
+          </a:fillRef>
+          <a:effectRef idx="0">
+            <a:schemeClr val="accent1"/>
+          </a:effectRef>
+          <a:fontRef idx="minor">
+            <a:schemeClr val="tx1"/>
+          </a:fontRef>
+        </p:style>
+      </p:cxnSp>
+      <p:sp>
+        <p:nvSpPr>
+          <p:cNvPr id="41" name="Rectangle 40"/>
+          <p:cNvSpPr/>
+          <p:nvPr/>
+        </p:nvSpPr>
+        <p:spPr>
+          <a:xfrm>
+            <a:off x="5867400" y="4800600"/>
+            <a:ext cx="1905000" cy="304800"/>
+          </a:xfrm>
+          <a:prstGeom prst="rect">
+            <a:avLst/>
+          </a:prstGeom>
+          <a:noFill/>
+        </p:spPr>
+        <p:style>
+          <a:lnRef idx="2">
+            <a:schemeClr val="accent1">
+              <a:shade val="50000"/>
+            </a:schemeClr>
+          </a:lnRef>
+          <a:fillRef idx="1">
+            <a:schemeClr val="accent1"/>
+          </a:fillRef>
+          <a:effectRef idx="0">
+            <a:schemeClr val="accent1"/>
+          </a:effectRef>
+          <a:fontRef idx="minor">
+            <a:schemeClr val="lt1"/>
+          </a:fontRef>
+        </p:style>
+        <p:txBody>
+          <a:bodyPr rtlCol="0" anchor="ctr"/>
+          <a:lstStyle/>
+          <a:p>
+            <a:pPr algn="ctr"/>
+            <a:r>
+              <a:rPr lang="en-US" sz="1100" dirty="0" smtClean="0">
+                <a:solidFill>
+                  <a:schemeClr val="tx1">
+                    <a:lumMod val="50000"/>
+                    <a:lumOff val="50000"/>
+                  </a:schemeClr>
+                </a:solidFill>
+              </a:rPr>
+              <a:t>Fuel Pump Control</a:t>
+            </a:r>
+            <a:endParaRPr lang="en-US" sz="1100" dirty="0">
+              <a:solidFill>
+                <a:schemeClr val="tx1">
+                  <a:lumMod val="50000"/>
+                  <a:lumOff val="50000"/>
+                </a:schemeClr>
+              </a:solidFill>
+            </a:endParaRPr>
+          </a:p>
+        </p:txBody>
+      </p:sp>
+      <p:cxnSp>
+        <p:nvCxnSpPr>
+          <p:cNvPr id="42" name="Straight Arrow Connector 41"/>
+          <p:cNvCxnSpPr>
+            <a:endCxn id="41" idx="1"/>
+          </p:cNvCxnSpPr>
+          <p:nvPr/>
+        </p:nvCxnSpPr>
+        <p:spPr>
+          <a:xfrm>
+            <a:off x="5181600" y="4953000"/>
+            <a:ext cx="685800" cy="0"/>
+          </a:xfrm>
+          <a:prstGeom prst="straightConnector1">
+            <a:avLst/>
+          </a:prstGeom>
+          <a:ln>
+            <a:tailEnd type="arrow"/>
+          </a:ln>
+        </p:spPr>
+        <p:style>
+          <a:lnRef idx="1">
+            <a:schemeClr val="accent1"/>
+          </a:lnRef>
+          <a:fillRef idx="0">
+            <a:schemeClr val="accent1"/>
+          </a:fillRef>
+          <a:effectRef idx="0">
+            <a:schemeClr val="accent1"/>
+          </a:effectRef>
+          <a:fontRef idx="minor">
+            <a:schemeClr val="tx1"/>
+          </a:fontRef>
+        </p:style>
+      </p:cxnSp>
+      <p:sp>
+        <p:nvSpPr>
+          <p:cNvPr id="43" name="Rectangle 42"/>
+          <p:cNvSpPr/>
+          <p:nvPr/>
+        </p:nvSpPr>
+        <p:spPr>
+          <a:xfrm>
+            <a:off x="5867400" y="5181600"/>
+            <a:ext cx="1905000" cy="304800"/>
+          </a:xfrm>
+          <a:prstGeom prst="rect">
+            <a:avLst/>
+          </a:prstGeom>
+          <a:noFill/>
+        </p:spPr>
+        <p:style>
+          <a:lnRef idx="2">
+            <a:schemeClr val="accent1">
+              <a:shade val="50000"/>
+            </a:schemeClr>
+          </a:lnRef>
+          <a:fillRef idx="1">
+            <a:schemeClr val="accent1"/>
+          </a:fillRef>
+          <a:effectRef idx="0">
+            <a:schemeClr val="accent1"/>
+          </a:effectRef>
+          <a:fontRef idx="minor">
+            <a:schemeClr val="lt1"/>
+          </a:fontRef>
+        </p:style>
+        <p:txBody>
+          <a:bodyPr rtlCol="0" anchor="ctr"/>
+          <a:lstStyle/>
+          <a:p>
+            <a:pPr algn="ctr"/>
+            <a:r>
+              <a:rPr lang="en-US" sz="1100" dirty="0" smtClean="0">
+                <a:solidFill>
+                  <a:schemeClr val="tx1">
+                    <a:lumMod val="50000"/>
+                    <a:lumOff val="50000"/>
+                  </a:schemeClr>
+                </a:solidFill>
+              </a:rPr>
+              <a:t>O2 Sensor Heater</a:t>
+            </a:r>
+            <a:endParaRPr lang="en-US" sz="1100" dirty="0">
+              <a:solidFill>
+                <a:schemeClr val="tx1">
+                  <a:lumMod val="50000"/>
+                  <a:lumOff val="50000"/>
+                </a:schemeClr>
+              </a:solidFill>
+            </a:endParaRPr>
+          </a:p>
+        </p:txBody>
+      </p:sp>
+      <p:cxnSp>
+        <p:nvCxnSpPr>
+          <p:cNvPr id="44" name="Straight Arrow Connector 43"/>
+          <p:cNvCxnSpPr>
+            <a:endCxn id="43" idx="1"/>
+          </p:cNvCxnSpPr>
+          <p:nvPr/>
+        </p:nvCxnSpPr>
+        <p:spPr>
+          <a:xfrm>
+            <a:off x="5181600" y="5334000"/>
+            <a:ext cx="685800" cy="0"/>
+          </a:xfrm>
+          <a:prstGeom prst="straightConnector1">
+            <a:avLst/>
+          </a:prstGeom>
+          <a:ln>
+            <a:tailEnd type="arrow"/>
+          </a:ln>
+        </p:spPr>
+        <p:style>
+          <a:lnRef idx="1">
+            <a:schemeClr val="accent1"/>
+          </a:lnRef>
+          <a:fillRef idx="0">
+            <a:schemeClr val="accent1"/>
+          </a:fillRef>
+          <a:effectRef idx="0">
+            <a:schemeClr val="accent1"/>
+          </a:effectRef>
+          <a:fontRef idx="minor">
+            <a:schemeClr val="tx1"/>
+          </a:fontRef>
+        </p:style>
+      </p:cxnSp>
+      <p:sp>
+        <p:nvSpPr>
+          <p:cNvPr id="49" name="Rectangle 48"/>
+          <p:cNvSpPr/>
+          <p:nvPr/>
+        </p:nvSpPr>
+        <p:spPr>
+          <a:xfrm>
+            <a:off x="381000" y="6096000"/>
+            <a:ext cx="1905000" cy="304800"/>
+          </a:xfrm>
+          <a:prstGeom prst="rect">
+            <a:avLst/>
+          </a:prstGeom>
+          <a:noFill/>
+        </p:spPr>
+        <p:style>
+          <a:lnRef idx="2">
+            <a:schemeClr val="accent1">
+              <a:shade val="50000"/>
+            </a:schemeClr>
+          </a:lnRef>
+          <a:fillRef idx="1">
+            <a:schemeClr val="accent1"/>
+          </a:fillRef>
+          <a:effectRef idx="0">
+            <a:schemeClr val="accent1"/>
+          </a:effectRef>
+          <a:fontRef idx="minor">
+            <a:schemeClr val="lt1"/>
+          </a:fontRef>
+        </p:style>
+        <p:txBody>
+          <a:bodyPr rtlCol="0" anchor="ctr"/>
+          <a:lstStyle/>
+          <a:p>
+            <a:r>
+              <a:rPr lang="en-US" sz="1100" dirty="0" smtClean="0">
+                <a:solidFill>
+                  <a:schemeClr val="tx1">
+                    <a:lumMod val="50000"/>
+                    <a:lumOff val="50000"/>
+                  </a:schemeClr>
+                </a:solidFill>
+              </a:rPr>
+              <a:t>Fuel pressure sensor</a:t>
+            </a:r>
+            <a:endParaRPr lang="en-US" sz="1100" dirty="0">
+              <a:solidFill>
+                <a:schemeClr val="tx1">
+                  <a:lumMod val="50000"/>
+                  <a:lumOff val="50000"/>
+                </a:schemeClr>
+              </a:solidFill>
+            </a:endParaRPr>
+          </a:p>
+        </p:txBody>
+      </p:sp>
+      <p:cxnSp>
+        <p:nvCxnSpPr>
+          <p:cNvPr id="50" name="Straight Arrow Connector 49"/>
+          <p:cNvCxnSpPr>
+            <a:stCxn id="49" idx="3"/>
+          </p:cNvCxnSpPr>
+          <p:nvPr/>
+        </p:nvCxnSpPr>
+        <p:spPr>
+          <a:xfrm>
+            <a:off x="2286000" y="6248400"/>
+            <a:ext cx="990600" cy="0"/>
+          </a:xfrm>
+          <a:prstGeom prst="straightConnector1">
+            <a:avLst/>
+          </a:prstGeom>
+          <a:ln>
+            <a:tailEnd type="arrow"/>
+          </a:ln>
+        </p:spPr>
+        <p:style>
+          <a:lnRef idx="1">
+            <a:schemeClr val="accent1"/>
+          </a:lnRef>
+          <a:fillRef idx="0">
+            <a:schemeClr val="accent1"/>
+          </a:fillRef>
+          <a:effectRef idx="0">
+            <a:schemeClr val="accent1"/>
+          </a:effectRef>
+          <a:fontRef idx="minor">
+            <a:schemeClr val="tx1"/>
+          </a:fontRef>
+        </p:style>
+      </p:cxnSp>
+      <p:sp>
+        <p:nvSpPr>
+          <p:cNvPr id="51" name="Rectangle 50"/>
+          <p:cNvSpPr/>
+          <p:nvPr/>
+        </p:nvSpPr>
+        <p:spPr>
+          <a:xfrm>
+            <a:off x="381000" y="3352800"/>
+            <a:ext cx="1905000" cy="304800"/>
+          </a:xfrm>
+          <a:prstGeom prst="rect">
+            <a:avLst/>
+          </a:prstGeom>
+          <a:noFill/>
+        </p:spPr>
+        <p:style>
+          <a:lnRef idx="2">
+            <a:schemeClr val="accent1">
+              <a:shade val="50000"/>
+            </a:schemeClr>
+          </a:lnRef>
+          <a:fillRef idx="1">
+            <a:schemeClr val="accent1"/>
+          </a:fillRef>
+          <a:effectRef idx="0">
+            <a:schemeClr val="accent1"/>
+          </a:effectRef>
+          <a:fontRef idx="minor">
+            <a:schemeClr val="lt1"/>
+          </a:fontRef>
+        </p:style>
+        <p:txBody>
+          <a:bodyPr rtlCol="0" anchor="ctr"/>
+          <a:lstStyle/>
+          <a:p>
+            <a:r>
+              <a:rPr lang="en-US" sz="1100" b="1" dirty="0" smtClean="0">
+                <a:solidFill>
+                  <a:schemeClr val="tx1"/>
+                </a:solidFill>
+              </a:rPr>
+              <a:t>Acc. pedal position sensor(s)</a:t>
+            </a:r>
+            <a:endParaRPr lang="en-US" sz="1100" b="1" dirty="0">
+              <a:solidFill>
+                <a:schemeClr val="tx1"/>
+              </a:solidFill>
+            </a:endParaRPr>
+          </a:p>
+        </p:txBody>
+      </p:sp>
+      <p:cxnSp>
+        <p:nvCxnSpPr>
+          <p:cNvPr id="52" name="Straight Arrow Connector 51"/>
+          <p:cNvCxnSpPr>
+            <a:stCxn id="51" idx="3"/>
+          </p:cNvCxnSpPr>
+          <p:nvPr/>
+        </p:nvCxnSpPr>
+        <p:spPr>
+          <a:xfrm>
+            <a:off x="2286000" y="3505200"/>
+            <a:ext cx="990600" cy="0"/>
+          </a:xfrm>
+          <a:prstGeom prst="straightConnector1">
+            <a:avLst/>
+          </a:prstGeom>
+          <a:ln>
+            <a:tailEnd type="arrow"/>
+          </a:ln>
+        </p:spPr>
+        <p:style>
+          <a:lnRef idx="1">
+            <a:schemeClr val="accent1"/>
+          </a:lnRef>
+          <a:fillRef idx="0">
+            <a:schemeClr val="accent1"/>
+          </a:fillRef>
+          <a:effectRef idx="0">
+            <a:schemeClr val="accent1"/>
+          </a:effectRef>
+          <a:fontRef idx="minor">
+            <a:schemeClr val="tx1"/>
+          </a:fontRef>
+        </p:style>
+      </p:cxnSp>
+    </p:spTree>
+    <p:extLst>
+      <p:ext uri="{BB962C8B-B14F-4D97-AF65-F5344CB8AC3E}">
+        <p14:creationId xmlns:p14="http://schemas.microsoft.com/office/powerpoint/2010/main" val="1328111429"/>
+      </p:ext>
+    </p:extLst>
+  </p:cSld>
+  <p:clrMapOvr>
+    <a:masterClrMapping/>
+  </p:clrMapOvr>
+</p:sld>
+</file>
+
+<file path=ppt/slides/slide3.xml><?xml version="1.0" encoding="utf-8"?>
+<p:sld xmlns:a="http://schemas.openxmlformats.org/drawingml/2006/main" xmlns:r="http://schemas.openxmlformats.org/officeDocument/2006/relationships" xmlns:p="http://schemas.openxmlformats.org/presentationml/2006/main">
+  <p:cSld>
+    <p:spTree>
+      <p:nvGrpSpPr>
+        <p:cNvPr id="1" name=""/>
+        <p:cNvGrpSpPr/>
+        <p:nvPr/>
+      </p:nvGrpSpPr>
+      <p:grpSpPr>
+        <a:xfrm>
+          <a:off x="0" y="0"/>
+          <a:ext cx="0" cy="0"/>
+          <a:chOff x="0" y="0"/>
+          <a:chExt cx="0" cy="0"/>
+        </a:xfrm>
+      </p:grpSpPr>
+      <p:sp>
+        <p:nvSpPr>
+          <p:cNvPr id="2" name="Title 1"/>
+          <p:cNvSpPr>
+            <a:spLocks noGrp="1"/>
+          </p:cNvSpPr>
+          <p:nvPr>
+            <p:ph type="title"/>
+          </p:nvPr>
+        </p:nvSpPr>
+        <p:spPr/>
+        <p:txBody>
+          <a:bodyPr/>
+          <a:lstStyle/>
+          <a:p>
+            <a:r>
+              <a:rPr lang="en-US" dirty="0" smtClean="0"/>
+              <a:t>Sensors</a:t>
+            </a:r>
+            <a:endParaRPr lang="en-US" dirty="0"/>
+          </a:p>
+        </p:txBody>
+      </p:sp>
+      <p:graphicFrame>
+        <p:nvGraphicFramePr>
+          <p:cNvPr id="4" name="Table 3"/>
+          <p:cNvGraphicFramePr>
+            <a:graphicFrameLocks noGrp="1"/>
+          </p:cNvGraphicFramePr>
+          <p:nvPr>
+            <p:extLst>
+              <p:ext uri="{D42A27DB-BD31-4B8C-83A1-F6EECF244321}">
+                <p14:modId xmlns:p14="http://schemas.microsoft.com/office/powerpoint/2010/main" val="2312198478"/>
+              </p:ext>
+            </p:extLst>
+          </p:nvPr>
+        </p:nvGraphicFramePr>
+        <p:xfrm>
+          <a:off x="762000" y="1397000"/>
+          <a:ext cx="7239000" cy="4089400"/>
+        </p:xfrm>
+        <a:graphic>
+          <a:graphicData uri="http://schemas.openxmlformats.org/drawingml/2006/table">
+            <a:tbl>
+              <a:tblPr firstRow="1" bandRow="1">
+                <a:tableStyleId>{5C22544A-7EE6-4342-B048-85BDC9FD1C3A}</a:tableStyleId>
+              </a:tblPr>
+              <a:tblGrid>
+                <a:gridCol w="2375297"/>
+                <a:gridCol w="1244203"/>
+                <a:gridCol w="1809750"/>
+                <a:gridCol w="1809750"/>
+              </a:tblGrid>
+              <a:tr h="370840">
+                <a:tc>
+                  <a:txBody>
+                    <a:bodyPr/>
+                    <a:lstStyle/>
+                    <a:p>
+                      <a:r>
+                        <a:rPr lang="en-US" dirty="0" smtClean="0"/>
+                        <a:t>Sensor</a:t>
+                      </a:r>
+                      <a:endParaRPr lang="en-US" dirty="0"/>
+                    </a:p>
+                  </a:txBody>
+                  <a:tcPr/>
+                </a:tc>
+                <a:tc>
+                  <a:txBody>
+                    <a:bodyPr/>
+                    <a:lstStyle/>
+                    <a:p>
+                      <a:pPr algn="ctr"/>
+                      <a:r>
+                        <a:rPr lang="en-US" dirty="0" smtClean="0"/>
+                        <a:t>ECU</a:t>
+                      </a:r>
+                      <a:endParaRPr lang="en-US" dirty="0"/>
+                    </a:p>
+                  </a:txBody>
+                  <a:tcPr/>
+                </a:tc>
+                <a:tc>
+                  <a:txBody>
+                    <a:bodyPr/>
+                    <a:lstStyle/>
+                    <a:p>
+                      <a:r>
+                        <a:rPr lang="en-US" dirty="0" smtClean="0"/>
+                        <a:t>Connectivity </a:t>
+                      </a:r>
+                      <a:endParaRPr lang="en-US" dirty="0"/>
+                    </a:p>
+                  </a:txBody>
+                  <a:tcPr/>
+                </a:tc>
+                <a:tc>
+                  <a:txBody>
+                    <a:bodyPr/>
+                    <a:lstStyle/>
+                    <a:p>
+                      <a:r>
+                        <a:rPr lang="en-US" dirty="0" smtClean="0"/>
+                        <a:t>Notes</a:t>
+                      </a:r>
+                      <a:endParaRPr lang="en-US" dirty="0"/>
+                    </a:p>
+                  </a:txBody>
+                  <a:tcPr/>
+                </a:tc>
+              </a:tr>
+              <a:tr h="370840">
+                <a:tc>
+                  <a:txBody>
+                    <a:bodyPr/>
+                    <a:lstStyle/>
+                    <a:p>
+                      <a:r>
+                        <a:rPr lang="en-US" dirty="0" smtClean="0"/>
+                        <a:t>Accelerator</a:t>
+                      </a:r>
+                      <a:r>
+                        <a:rPr lang="en-US" baseline="0" dirty="0" smtClean="0"/>
+                        <a:t> pedal position sensor</a:t>
+                      </a:r>
+                      <a:endParaRPr lang="en-US" dirty="0"/>
+                    </a:p>
+                  </a:txBody>
+                  <a:tcPr/>
+                </a:tc>
+                <a:tc>
+                  <a:txBody>
+                    <a:bodyPr/>
+                    <a:lstStyle/>
+                    <a:p>
+                      <a:pPr algn="ctr"/>
+                      <a:r>
+                        <a:rPr lang="en-US" dirty="0" smtClean="0"/>
+                        <a:t>EMU</a:t>
+                      </a:r>
+                      <a:endParaRPr lang="en-US" dirty="0"/>
+                    </a:p>
+                  </a:txBody>
+                  <a:tcPr/>
+                </a:tc>
+                <a:tc>
+                  <a:txBody>
+                    <a:bodyPr/>
+                    <a:lstStyle/>
+                    <a:p>
+                      <a:r>
+                        <a:rPr lang="en-US" sz="1400" dirty="0" smtClean="0"/>
+                        <a:t>Python UI</a:t>
+                      </a:r>
+                      <a:endParaRPr lang="en-US" sz="1400" dirty="0"/>
+                    </a:p>
+                  </a:txBody>
+                  <a:tcPr/>
+                </a:tc>
+                <a:tc>
+                  <a:txBody>
+                    <a:bodyPr/>
+                    <a:lstStyle/>
+                    <a:p>
+                      <a:endParaRPr lang="en-US" sz="1400" dirty="0"/>
+                    </a:p>
+                  </a:txBody>
+                  <a:tcPr/>
+                </a:tc>
+              </a:tr>
+              <a:tr h="370840">
+                <a:tc>
+                  <a:txBody>
+                    <a:bodyPr/>
+                    <a:lstStyle/>
+                    <a:p>
+                      <a:r>
+                        <a:rPr lang="en-US" dirty="0" smtClean="0"/>
+                        <a:t>Engine speed sensor – RPM</a:t>
+                      </a:r>
+                      <a:endParaRPr lang="en-US" dirty="0"/>
+                    </a:p>
+                  </a:txBody>
+                  <a:tcPr/>
+                </a:tc>
+                <a:tc>
+                  <a:txBody>
+                    <a:bodyPr/>
+                    <a:lstStyle/>
+                    <a:p>
+                      <a:pPr algn="ctr"/>
+                      <a:r>
+                        <a:rPr lang="en-US" dirty="0" smtClean="0"/>
+                        <a:t>EMU</a:t>
+                      </a:r>
+                      <a:endParaRPr lang="en-US" dirty="0"/>
+                    </a:p>
+                  </a:txBody>
+                  <a:tcPr/>
+                </a:tc>
+                <a:tc>
+                  <a:txBody>
+                    <a:bodyPr/>
+                    <a:lstStyle/>
+                    <a:p>
+                      <a:r>
+                        <a:rPr lang="en-US" sz="1400" dirty="0" smtClean="0"/>
+                        <a:t>Calculated</a:t>
+                      </a:r>
+                      <a:r>
+                        <a:rPr lang="en-US" sz="1400" baseline="0" dirty="0" smtClean="0"/>
+                        <a:t> based on APP value</a:t>
+                      </a:r>
+                      <a:endParaRPr lang="en-US" sz="1400" dirty="0"/>
+                    </a:p>
+                  </a:txBody>
+                  <a:tcPr/>
+                </a:tc>
+                <a:tc>
+                  <a:txBody>
+                    <a:bodyPr/>
+                    <a:lstStyle/>
+                    <a:p>
+                      <a:endParaRPr lang="en-US" sz="1400" dirty="0"/>
+                    </a:p>
+                  </a:txBody>
+                  <a:tcPr/>
+                </a:tc>
+              </a:tr>
+              <a:tr h="370840">
+                <a:tc>
+                  <a:txBody>
+                    <a:bodyPr/>
+                    <a:lstStyle/>
+                    <a:p>
+                      <a:r>
+                        <a:rPr lang="en-US" dirty="0" smtClean="0"/>
+                        <a:t>Coolant temperature sensor</a:t>
+                      </a:r>
+                      <a:endParaRPr lang="en-US" dirty="0"/>
+                    </a:p>
+                  </a:txBody>
+                  <a:tcPr/>
+                </a:tc>
+                <a:tc>
+                  <a:txBody>
+                    <a:bodyPr/>
+                    <a:lstStyle/>
+                    <a:p>
+                      <a:pPr algn="ctr"/>
+                      <a:r>
+                        <a:rPr lang="en-US" dirty="0" smtClean="0"/>
+                        <a:t>EMU</a:t>
+                      </a:r>
+                      <a:endParaRPr lang="en-US" dirty="0"/>
+                    </a:p>
+                  </a:txBody>
+                  <a:tcPr/>
+                </a:tc>
+                <a:tc>
+                  <a:txBody>
+                    <a:bodyPr/>
+                    <a:lstStyle/>
+                    <a:p>
+                      <a:r>
+                        <a:rPr lang="en-US" sz="1400" smtClean="0"/>
+                        <a:t>Stimulus - Test </a:t>
+                      </a:r>
+                      <a:r>
+                        <a:rPr lang="en-US" sz="1400" dirty="0" smtClean="0"/>
+                        <a:t>vector</a:t>
+                      </a:r>
+                      <a:endParaRPr lang="en-US" sz="1400" dirty="0"/>
+                    </a:p>
+                  </a:txBody>
+                  <a:tcPr/>
+                </a:tc>
+                <a:tc>
+                  <a:txBody>
+                    <a:bodyPr/>
+                    <a:lstStyle/>
+                    <a:p>
+                      <a:endParaRPr lang="en-US" sz="1400" dirty="0"/>
+                    </a:p>
+                  </a:txBody>
+                  <a:tcPr/>
+                </a:tc>
+              </a:tr>
+              <a:tr h="370840">
+                <a:tc>
+                  <a:txBody>
+                    <a:bodyPr/>
+                    <a:lstStyle/>
+                    <a:p>
+                      <a:r>
+                        <a:rPr lang="en-US" dirty="0" smtClean="0"/>
+                        <a:t>Engine oil pressure sensor</a:t>
+                      </a:r>
+                      <a:endParaRPr lang="en-US" dirty="0"/>
+                    </a:p>
+                  </a:txBody>
+                  <a:tcPr/>
+                </a:tc>
+                <a:tc>
+                  <a:txBody>
+                    <a:bodyPr/>
+                    <a:lstStyle/>
+                    <a:p>
+                      <a:pPr algn="ctr"/>
+                      <a:r>
+                        <a:rPr lang="en-US" dirty="0" smtClean="0"/>
+                        <a:t>EMU</a:t>
+                      </a:r>
+                      <a:endParaRPr lang="en-US" dirty="0"/>
+                    </a:p>
+                  </a:txBody>
+                  <a:tcPr/>
+                </a:tc>
+                <a:tc>
+                  <a:txBody>
+                    <a:bodyPr/>
+                    <a:lstStyle/>
+                    <a:p>
+                      <a:r>
+                        <a:rPr lang="en-US" sz="1400" dirty="0" smtClean="0"/>
+                        <a:t>Stimulus – Test vector</a:t>
+                      </a:r>
+                      <a:endParaRPr lang="en-US" sz="1400" dirty="0"/>
+                    </a:p>
+                  </a:txBody>
+                  <a:tcPr/>
+                </a:tc>
+                <a:tc>
+                  <a:txBody>
+                    <a:bodyPr/>
+                    <a:lstStyle/>
+                    <a:p>
+                      <a:endParaRPr lang="en-US" sz="1400" dirty="0"/>
+                    </a:p>
+                  </a:txBody>
+                  <a:tcPr/>
+                </a:tc>
+              </a:tr>
+              <a:tr h="370840">
+                <a:tc>
+                  <a:txBody>
+                    <a:bodyPr/>
+                    <a:lstStyle/>
+                    <a:p>
+                      <a:r>
+                        <a:rPr lang="en-US" dirty="0" smtClean="0"/>
+                        <a:t>Throttle position sensor</a:t>
+                      </a:r>
+                      <a:endParaRPr lang="en-US" dirty="0"/>
+                    </a:p>
+                  </a:txBody>
+                  <a:tcPr/>
+                </a:tc>
+                <a:tc>
+                  <a:txBody>
+                    <a:bodyPr/>
+                    <a:lstStyle/>
+                    <a:p>
+                      <a:pPr algn="ctr"/>
+                      <a:r>
+                        <a:rPr lang="en-US" dirty="0" smtClean="0"/>
+                        <a:t>EMU</a:t>
+                      </a:r>
+                      <a:endParaRPr lang="en-US" dirty="0"/>
+                    </a:p>
+                  </a:txBody>
+                  <a:tcPr/>
+                </a:tc>
+                <a:tc>
+                  <a:txBody>
+                    <a:bodyPr/>
+                    <a:lstStyle/>
+                    <a:p>
+                      <a:r>
+                        <a:rPr lang="en-US" sz="1400" dirty="0" smtClean="0"/>
+                        <a:t>Ignored for now</a:t>
+                      </a:r>
+                    </a:p>
+                  </a:txBody>
+                  <a:tcPr/>
+                </a:tc>
+                <a:tc>
+                  <a:txBody>
+                    <a:bodyPr/>
+                    <a:lstStyle/>
+                    <a:p>
+                      <a:pPr marL="0" marR="0" indent="0" algn="l" defTabSz="914400" rtl="0" eaLnBrk="1" fontAlgn="auto" latinLnBrk="0" hangingPunct="1">
+                        <a:lnSpc>
+                          <a:spcPct val="100000"/>
+                        </a:lnSpc>
+                        <a:spcBef>
+                          <a:spcPts val="0"/>
+                        </a:spcBef>
+                        <a:spcAft>
+                          <a:spcPts val="0"/>
+                        </a:spcAft>
+                        <a:buClrTx/>
+                        <a:buSzTx/>
+                        <a:buFontTx/>
+                        <a:buNone/>
+                        <a:tabLst/>
+                        <a:defRPr/>
+                      </a:pPr>
+                      <a:r>
+                        <a:rPr lang="en-US" sz="1400" baseline="0" dirty="0" smtClean="0"/>
+                        <a:t>Can be connected in closed-loop simulation to Simulink or </a:t>
+                      </a:r>
+                      <a:r>
+                        <a:rPr lang="en-US" sz="1400" baseline="0" dirty="0" err="1" smtClean="0"/>
+                        <a:t>SystemVision</a:t>
+                      </a:r>
+                      <a:endParaRPr lang="en-US" sz="1400" dirty="0" smtClean="0"/>
+                    </a:p>
+                    <a:p>
+                      <a:endParaRPr lang="en-US" sz="1400" dirty="0"/>
+                    </a:p>
+                  </a:txBody>
+                  <a:tcPr/>
+                </a:tc>
+              </a:tr>
+            </a:tbl>
+          </a:graphicData>
+        </a:graphic>
+      </p:graphicFrame>
+    </p:spTree>
+    <p:extLst>
+      <p:ext uri="{BB962C8B-B14F-4D97-AF65-F5344CB8AC3E}">
+        <p14:creationId xmlns:p14="http://schemas.microsoft.com/office/powerpoint/2010/main" val="635377782"/>
+      </p:ext>
+    </p:extLst>
+  </p:cSld>
+  <p:clrMapOvr>
+    <a:masterClrMapping/>
+  </p:clrMapOvr>
+</p:sld>
+</file>
+
+<file path=ppt/slides/slide4.xml><?xml version="1.0" encoding="utf-8"?>
+<p:sld xmlns:a="http://schemas.openxmlformats.org/drawingml/2006/main" xmlns:r="http://schemas.openxmlformats.org/officeDocument/2006/relationships" xmlns:p="http://schemas.openxmlformats.org/presentationml/2006/main">
+  <p:cSld>
+    <p:spTree>
+      <p:nvGrpSpPr>
+        <p:cNvPr id="1" name=""/>
+        <p:cNvGrpSpPr/>
+        <p:nvPr/>
+      </p:nvGrpSpPr>
+      <p:grpSpPr>
+        <a:xfrm>
+          <a:off x="0" y="0"/>
+          <a:ext cx="0" cy="0"/>
+          <a:chOff x="0" y="0"/>
+          <a:chExt cx="0" cy="0"/>
+        </a:xfrm>
+      </p:grpSpPr>
+      <p:sp>
+        <p:nvSpPr>
+          <p:cNvPr id="2" name="Title 1"/>
+          <p:cNvSpPr>
+            <a:spLocks noGrp="1"/>
+          </p:cNvSpPr>
+          <p:nvPr>
+            <p:ph type="title"/>
+          </p:nvPr>
+        </p:nvSpPr>
+        <p:spPr/>
+        <p:txBody>
+          <a:bodyPr/>
+          <a:lstStyle/>
+          <a:p>
+            <a:r>
+              <a:rPr lang="en-US" dirty="0" smtClean="0"/>
+              <a:t>Actuators</a:t>
+            </a:r>
+            <a:endParaRPr lang="en-US" dirty="0"/>
+          </a:p>
+        </p:txBody>
+      </p:sp>
+      <p:graphicFrame>
+        <p:nvGraphicFramePr>
+          <p:cNvPr id="4" name="Table 3"/>
+          <p:cNvGraphicFramePr>
+            <a:graphicFrameLocks noGrp="1"/>
+          </p:cNvGraphicFramePr>
+          <p:nvPr>
+            <p:extLst>
+              <p:ext uri="{D42A27DB-BD31-4B8C-83A1-F6EECF244321}">
+                <p14:modId xmlns:p14="http://schemas.microsoft.com/office/powerpoint/2010/main" val="721479866"/>
+              </p:ext>
+            </p:extLst>
+          </p:nvPr>
+        </p:nvGraphicFramePr>
+        <p:xfrm>
+          <a:off x="1524000" y="1397000"/>
+          <a:ext cx="6096000" cy="2788920"/>
+        </p:xfrm>
+        <a:graphic>
+          <a:graphicData uri="http://schemas.openxmlformats.org/drawingml/2006/table">
+            <a:tbl>
+              <a:tblPr firstRow="1" bandRow="1">
+                <a:tableStyleId>{5C22544A-7EE6-4342-B048-85BDC9FD1C3A}</a:tableStyleId>
+              </a:tblPr>
+              <a:tblGrid>
+                <a:gridCol w="2000250"/>
+                <a:gridCol w="1047750"/>
+                <a:gridCol w="1524000"/>
+                <a:gridCol w="1524000"/>
+              </a:tblGrid>
+              <a:tr h="370840">
+                <a:tc>
+                  <a:txBody>
+                    <a:bodyPr/>
+                    <a:lstStyle/>
+                    <a:p>
+                      <a:r>
+                        <a:rPr lang="en-US" dirty="0" smtClean="0"/>
+                        <a:t>Actuator</a:t>
+                      </a:r>
+                      <a:endParaRPr lang="en-US" dirty="0"/>
+                    </a:p>
+                  </a:txBody>
+                  <a:tcPr/>
+                </a:tc>
+                <a:tc>
+                  <a:txBody>
+                    <a:bodyPr/>
+                    <a:lstStyle/>
+                    <a:p>
+                      <a:pPr algn="ctr"/>
+                      <a:r>
+                        <a:rPr lang="en-US" dirty="0" smtClean="0"/>
+                        <a:t>ECU</a:t>
+                      </a:r>
+                      <a:endParaRPr lang="en-US" dirty="0"/>
+                    </a:p>
+                  </a:txBody>
+                  <a:tcPr/>
+                </a:tc>
+                <a:tc>
+                  <a:txBody>
+                    <a:bodyPr/>
+                    <a:lstStyle/>
+                    <a:p>
+                      <a:r>
+                        <a:rPr lang="en-US" dirty="0" smtClean="0"/>
+                        <a:t>Connectivity </a:t>
+                      </a:r>
+                      <a:endParaRPr lang="en-US" dirty="0"/>
+                    </a:p>
+                  </a:txBody>
+                  <a:tcPr/>
+                </a:tc>
+                <a:tc>
+                  <a:txBody>
+                    <a:bodyPr/>
+                    <a:lstStyle/>
+                    <a:p>
+                      <a:r>
+                        <a:rPr lang="en-US" dirty="0" smtClean="0"/>
+                        <a:t>Comments</a:t>
+                      </a:r>
+                      <a:endParaRPr lang="en-US" dirty="0"/>
+                    </a:p>
+                  </a:txBody>
+                  <a:tcPr/>
+                </a:tc>
+              </a:tr>
+              <a:tr h="370840">
+                <a:tc>
+                  <a:txBody>
+                    <a:bodyPr/>
+                    <a:lstStyle/>
+                    <a:p>
+                      <a:r>
+                        <a:rPr lang="en-US" dirty="0" smtClean="0"/>
+                        <a:t>Ignition</a:t>
+                      </a:r>
+                      <a:endParaRPr lang="en-US" dirty="0"/>
+                    </a:p>
+                  </a:txBody>
+                  <a:tcPr/>
+                </a:tc>
+                <a:tc>
+                  <a:txBody>
+                    <a:bodyPr/>
+                    <a:lstStyle/>
+                    <a:p>
+                      <a:pPr algn="ctr"/>
+                      <a:r>
+                        <a:rPr lang="en-US" dirty="0" smtClean="0"/>
+                        <a:t>EMU</a:t>
+                      </a:r>
+                      <a:endParaRPr lang="en-US" dirty="0"/>
+                    </a:p>
+                  </a:txBody>
+                  <a:tcPr/>
+                </a:tc>
+                <a:tc>
+                  <a:txBody>
+                    <a:bodyPr/>
+                    <a:lstStyle/>
+                    <a:p>
+                      <a:pPr marL="0" marR="0" indent="0" algn="l" defTabSz="914400" rtl="0" eaLnBrk="1" fontAlgn="auto" latinLnBrk="0" hangingPunct="1">
+                        <a:lnSpc>
+                          <a:spcPct val="100000"/>
+                        </a:lnSpc>
+                        <a:spcBef>
+                          <a:spcPts val="0"/>
+                        </a:spcBef>
+                        <a:spcAft>
+                          <a:spcPts val="0"/>
+                        </a:spcAft>
+                        <a:buClrTx/>
+                        <a:buSzTx/>
+                        <a:buFontTx/>
+                        <a:buNone/>
+                        <a:tabLst/>
+                        <a:defRPr/>
+                      </a:pPr>
+                      <a:r>
+                        <a:rPr lang="en-US" sz="1400" dirty="0" smtClean="0"/>
+                        <a:t>Ignored</a:t>
+                      </a:r>
+                    </a:p>
+                  </a:txBody>
+                  <a:tcPr/>
+                </a:tc>
+                <a:tc>
+                  <a:txBody>
+                    <a:bodyPr/>
+                    <a:lstStyle/>
+                    <a:p>
+                      <a:pPr marL="0" marR="0" indent="0" algn="l" defTabSz="914400" rtl="0" eaLnBrk="1" fontAlgn="auto" latinLnBrk="0" hangingPunct="1">
+                        <a:lnSpc>
+                          <a:spcPct val="100000"/>
+                        </a:lnSpc>
+                        <a:spcBef>
+                          <a:spcPts val="0"/>
+                        </a:spcBef>
+                        <a:spcAft>
+                          <a:spcPts val="0"/>
+                        </a:spcAft>
+                        <a:buClrTx/>
+                        <a:buSzTx/>
+                        <a:buFontTx/>
+                        <a:buNone/>
+                        <a:tabLst/>
+                        <a:defRPr/>
+                      </a:pPr>
+                      <a:endParaRPr lang="en-US" sz="1400" dirty="0" smtClean="0"/>
+                    </a:p>
+                  </a:txBody>
+                  <a:tcPr/>
+                </a:tc>
+              </a:tr>
+              <a:tr h="370840">
+                <a:tc>
+                  <a:txBody>
+                    <a:bodyPr/>
+                    <a:lstStyle/>
+                    <a:p>
+                      <a:r>
+                        <a:rPr lang="en-US" dirty="0" smtClean="0"/>
+                        <a:t>Injectors</a:t>
+                      </a:r>
+                      <a:endParaRPr lang="en-US" dirty="0"/>
+                    </a:p>
+                  </a:txBody>
+                  <a:tcPr/>
+                </a:tc>
+                <a:tc>
+                  <a:txBody>
+                    <a:bodyPr/>
+                    <a:lstStyle/>
+                    <a:p>
+                      <a:pPr algn="ctr"/>
+                      <a:r>
+                        <a:rPr lang="en-US" dirty="0" smtClean="0"/>
+                        <a:t>EMU</a:t>
+                      </a:r>
+                      <a:endParaRPr lang="en-US" dirty="0"/>
+                    </a:p>
+                  </a:txBody>
+                  <a:tcPr/>
+                </a:tc>
+                <a:tc>
+                  <a:txBody>
+                    <a:bodyPr/>
+                    <a:lstStyle/>
+                    <a:p>
+                      <a:r>
+                        <a:rPr lang="en-US" sz="1400" dirty="0" smtClean="0"/>
+                        <a:t>Ignored </a:t>
+                      </a:r>
+                      <a:endParaRPr lang="en-US" sz="1400" dirty="0"/>
+                    </a:p>
+                  </a:txBody>
+                  <a:tcPr/>
+                </a:tc>
+                <a:tc>
+                  <a:txBody>
+                    <a:bodyPr/>
+                    <a:lstStyle/>
+                    <a:p>
+                      <a:endParaRPr lang="en-US" sz="1400" dirty="0"/>
+                    </a:p>
+                  </a:txBody>
+                  <a:tcPr/>
+                </a:tc>
+              </a:tr>
+              <a:tr h="370840">
+                <a:tc>
+                  <a:txBody>
+                    <a:bodyPr/>
+                    <a:lstStyle/>
+                    <a:p>
+                      <a:r>
+                        <a:rPr lang="en-US" dirty="0" smtClean="0"/>
+                        <a:t>Cooling fan</a:t>
+                      </a:r>
+                      <a:endParaRPr lang="en-US" dirty="0"/>
+                    </a:p>
+                  </a:txBody>
+                  <a:tcPr/>
+                </a:tc>
+                <a:tc>
+                  <a:txBody>
+                    <a:bodyPr/>
+                    <a:lstStyle/>
+                    <a:p>
+                      <a:pPr algn="ctr"/>
+                      <a:r>
+                        <a:rPr lang="en-US" dirty="0" smtClean="0"/>
+                        <a:t>EMU</a:t>
+                      </a:r>
+                      <a:endParaRPr lang="en-US" dirty="0"/>
+                    </a:p>
+                  </a:txBody>
+                  <a:tcPr/>
+                </a:tc>
+                <a:tc>
+                  <a:txBody>
+                    <a:bodyPr/>
+                    <a:lstStyle/>
+                    <a:p>
+                      <a:r>
+                        <a:rPr lang="en-US" sz="1400" dirty="0" smtClean="0"/>
+                        <a:t>Output – Analyzer chart</a:t>
+                      </a:r>
+                      <a:r>
+                        <a:rPr lang="en-US" sz="1400" baseline="0" dirty="0" smtClean="0"/>
+                        <a:t>  ?</a:t>
+                      </a:r>
+                      <a:endParaRPr lang="en-US" sz="1400" dirty="0"/>
+                    </a:p>
+                  </a:txBody>
+                  <a:tcPr/>
+                </a:tc>
+                <a:tc>
+                  <a:txBody>
+                    <a:bodyPr/>
+                    <a:lstStyle/>
+                    <a:p>
+                      <a:endParaRPr lang="en-US" sz="1400" dirty="0"/>
+                    </a:p>
+                  </a:txBody>
+                  <a:tcPr/>
+                </a:tc>
+              </a:tr>
+              <a:tr h="370840">
+                <a:tc>
+                  <a:txBody>
+                    <a:bodyPr/>
+                    <a:lstStyle/>
+                    <a:p>
+                      <a:r>
+                        <a:rPr lang="en-US" dirty="0" smtClean="0"/>
+                        <a:t>Throttle</a:t>
+                      </a:r>
+                      <a:r>
+                        <a:rPr lang="en-US" baseline="0" dirty="0" smtClean="0"/>
+                        <a:t> Control</a:t>
+                      </a:r>
+                      <a:endParaRPr lang="en-US" dirty="0"/>
+                    </a:p>
+                  </a:txBody>
+                  <a:tcPr/>
+                </a:tc>
+                <a:tc>
+                  <a:txBody>
+                    <a:bodyPr/>
+                    <a:lstStyle/>
+                    <a:p>
+                      <a:pPr algn="ctr"/>
+                      <a:r>
+                        <a:rPr lang="en-US" dirty="0" smtClean="0"/>
+                        <a:t>EMU</a:t>
+                      </a:r>
+                      <a:endParaRPr lang="en-US" dirty="0"/>
+                    </a:p>
+                  </a:txBody>
+                  <a:tcPr/>
+                </a:tc>
+                <a:tc>
+                  <a:txBody>
+                    <a:bodyPr/>
+                    <a:lstStyle/>
+                    <a:p>
+                      <a:r>
+                        <a:rPr lang="en-US" sz="1400" dirty="0" smtClean="0"/>
+                        <a:t>Ignore</a:t>
+                      </a:r>
+                      <a:endParaRPr lang="en-US" sz="1400" dirty="0"/>
+                    </a:p>
+                  </a:txBody>
+                  <a:tcPr/>
+                </a:tc>
+                <a:tc>
+                  <a:txBody>
+                    <a:bodyPr/>
+                    <a:lstStyle/>
+                    <a:p>
+                      <a:r>
+                        <a:rPr lang="en-US" sz="1400" dirty="0" smtClean="0"/>
+                        <a:t>Can be connected to Simulink or </a:t>
+                      </a:r>
+                      <a:r>
+                        <a:rPr lang="en-US" sz="1400" dirty="0" err="1" smtClean="0"/>
+                        <a:t>SystemVision</a:t>
+                      </a:r>
+                      <a:r>
+                        <a:rPr lang="en-US" sz="1400" dirty="0" smtClean="0"/>
+                        <a:t> in close-loop simulation</a:t>
+                      </a:r>
+                      <a:endParaRPr lang="en-US" sz="1400" dirty="0"/>
+                    </a:p>
+                  </a:txBody>
+                  <a:tcPr/>
+                </a:tc>
+              </a:tr>
+            </a:tbl>
+          </a:graphicData>
+        </a:graphic>
+      </p:graphicFrame>
+    </p:spTree>
+    <p:extLst>
+      <p:ext uri="{BB962C8B-B14F-4D97-AF65-F5344CB8AC3E}">
+        <p14:creationId xmlns:p14="http://schemas.microsoft.com/office/powerpoint/2010/main" val="1317066453"/>
+      </p:ext>
+    </p:extLst>
+  </p:cSld>
+  <p:clrMapOvr>
+    <a:masterClrMapping/>
+  </p:clrMapOvr>
+</p:sld>
+</file>
+
+<file path=ppt/slides/slide5.xml><?xml version="1.0" encoding="utf-8"?>
+<p:sld xmlns:a="http://schemas.openxmlformats.org/drawingml/2006/main" xmlns:r="http://schemas.openxmlformats.org/officeDocument/2006/relationships" xmlns:p="http://schemas.openxmlformats.org/presentationml/2006/main">
+  <p:cSld>
+    <p:spTree>
+      <p:nvGrpSpPr>
+        <p:cNvPr id="1" name=""/>
+        <p:cNvGrpSpPr/>
+        <p:nvPr/>
+      </p:nvGrpSpPr>
+      <p:grpSpPr>
+        <a:xfrm>
+          <a:off x="0" y="0"/>
+          <a:ext cx="0" cy="0"/>
+          <a:chOff x="0" y="0"/>
+          <a:chExt cx="0" cy="0"/>
+        </a:xfrm>
+      </p:grpSpPr>
+      <p:sp>
+        <p:nvSpPr>
+          <p:cNvPr id="2" name="Title 1"/>
+          <p:cNvSpPr>
+            <a:spLocks noGrp="1"/>
+          </p:cNvSpPr>
+          <p:nvPr>
+            <p:ph type="title"/>
+          </p:nvPr>
+        </p:nvSpPr>
+        <p:spPr/>
+        <p:txBody>
+          <a:bodyPr/>
+          <a:lstStyle/>
+          <a:p>
+            <a:r>
+              <a:rPr lang="en-US" dirty="0" smtClean="0"/>
+              <a:t>EBM ECU and ABS ECU</a:t>
+            </a:r>
+            <a:endParaRPr lang="en-US" dirty="0"/>
+          </a:p>
+        </p:txBody>
+      </p:sp>
+      <p:sp>
+        <p:nvSpPr>
+          <p:cNvPr id="4" name="TextBox 3"/>
+          <p:cNvSpPr txBox="1">
+            <a:spLocks/>
+          </p:cNvSpPr>
+          <p:nvPr/>
+        </p:nvSpPr>
+        <p:spPr>
+          <a:xfrm>
+            <a:off x="3269530" y="1752598"/>
+            <a:ext cx="1905000" cy="1188720"/>
+          </a:xfrm>
+          <a:prstGeom prst="rect">
+            <a:avLst/>
+          </a:prstGeom>
+          <a:solidFill>
+            <a:schemeClr val="accent2">
+              <a:lumMod val="60000"/>
+              <a:lumOff val="40000"/>
+            </a:schemeClr>
+          </a:solidFill>
+          <a:ln>
+            <a:solidFill>
+              <a:schemeClr val="tx1"/>
+            </a:solidFill>
+          </a:ln>
+        </p:spPr>
+        <p:txBody>
+          <a:bodyPr wrap="square" rtlCol="0">
+            <a:spAutoFit/>
+          </a:bodyPr>
+          <a:lstStyle>
+            <a:defPPr>
+              <a:defRPr lang="en-US"/>
+            </a:defPPr>
+            <a:lvl1pPr>
+              <a:defRPr sz="1400"/>
+            </a:lvl1pPr>
+          </a:lstStyle>
+          <a:p>
+            <a:r>
+              <a:rPr lang="en-GB" dirty="0" smtClean="0"/>
+              <a:t>EBM</a:t>
+            </a:r>
+            <a:endParaRPr lang="en-GB" dirty="0"/>
+          </a:p>
+          <a:p>
+            <a:endParaRPr lang="en-GB" dirty="0"/>
+          </a:p>
+          <a:p>
+            <a:endParaRPr lang="en-GB" dirty="0"/>
+          </a:p>
+          <a:p>
+            <a:endParaRPr lang="en-GB" dirty="0"/>
+          </a:p>
+        </p:txBody>
+      </p:sp>
+      <p:cxnSp>
+        <p:nvCxnSpPr>
+          <p:cNvPr id="5" name="Straight Arrow Connector 4"/>
+          <p:cNvCxnSpPr/>
+          <p:nvPr/>
+        </p:nvCxnSpPr>
+        <p:spPr>
+          <a:xfrm>
+            <a:off x="2278930" y="4267200"/>
+            <a:ext cx="990600" cy="0"/>
+          </a:xfrm>
+          <a:prstGeom prst="straightConnector1">
+            <a:avLst/>
+          </a:prstGeom>
+          <a:ln>
+            <a:tailEnd type="arrow"/>
+          </a:ln>
+        </p:spPr>
+        <p:style>
+          <a:lnRef idx="1">
+            <a:schemeClr val="accent1"/>
+          </a:lnRef>
+          <a:fillRef idx="0">
+            <a:schemeClr val="accent1"/>
+          </a:fillRef>
+          <a:effectRef idx="0">
+            <a:schemeClr val="accent1"/>
+          </a:effectRef>
+          <a:fontRef idx="minor">
+            <a:schemeClr val="tx1"/>
+          </a:fontRef>
+        </p:style>
+      </p:cxnSp>
+      <p:cxnSp>
+        <p:nvCxnSpPr>
+          <p:cNvPr id="6" name="Straight Arrow Connector 5"/>
+          <p:cNvCxnSpPr/>
+          <p:nvPr/>
+        </p:nvCxnSpPr>
+        <p:spPr>
+          <a:xfrm>
+            <a:off x="2278930" y="4419600"/>
+            <a:ext cx="990600" cy="0"/>
+          </a:xfrm>
+          <a:prstGeom prst="straightConnector1">
+            <a:avLst/>
+          </a:prstGeom>
+          <a:ln>
+            <a:tailEnd type="arrow"/>
+          </a:ln>
+        </p:spPr>
+        <p:style>
+          <a:lnRef idx="1">
+            <a:schemeClr val="accent1"/>
+          </a:lnRef>
+          <a:fillRef idx="0">
+            <a:schemeClr val="accent1"/>
+          </a:fillRef>
+          <a:effectRef idx="0">
+            <a:schemeClr val="accent1"/>
+          </a:effectRef>
+          <a:fontRef idx="minor">
+            <a:schemeClr val="tx1"/>
+          </a:fontRef>
+        </p:style>
+      </p:cxnSp>
+      <p:cxnSp>
+        <p:nvCxnSpPr>
+          <p:cNvPr id="7" name="Straight Arrow Connector 6"/>
+          <p:cNvCxnSpPr/>
+          <p:nvPr/>
+        </p:nvCxnSpPr>
+        <p:spPr>
+          <a:xfrm>
+            <a:off x="2278930" y="4572000"/>
+            <a:ext cx="990600" cy="0"/>
+          </a:xfrm>
+          <a:prstGeom prst="straightConnector1">
+            <a:avLst/>
+          </a:prstGeom>
+          <a:ln>
+            <a:tailEnd type="arrow"/>
+          </a:ln>
+        </p:spPr>
+        <p:style>
+          <a:lnRef idx="1">
+            <a:schemeClr val="accent1"/>
+          </a:lnRef>
+          <a:fillRef idx="0">
+            <a:schemeClr val="accent1"/>
+          </a:fillRef>
+          <a:effectRef idx="0">
+            <a:schemeClr val="accent1"/>
+          </a:effectRef>
+          <a:fontRef idx="minor">
+            <a:schemeClr val="tx1"/>
+          </a:fontRef>
+        </p:style>
+      </p:cxnSp>
+      <p:sp>
+        <p:nvSpPr>
+          <p:cNvPr id="8" name="Rectangle 7"/>
+          <p:cNvSpPr/>
+          <p:nvPr/>
+        </p:nvSpPr>
+        <p:spPr>
+          <a:xfrm>
+            <a:off x="381000" y="3962400"/>
+            <a:ext cx="1905000" cy="762000"/>
+          </a:xfrm>
+          <a:prstGeom prst="rect">
+            <a:avLst/>
+          </a:prstGeom>
+          <a:noFill/>
+        </p:spPr>
+        <p:style>
+          <a:lnRef idx="2">
+            <a:schemeClr val="accent1">
+              <a:shade val="50000"/>
+            </a:schemeClr>
+          </a:lnRef>
+          <a:fillRef idx="1">
+            <a:schemeClr val="accent1"/>
+          </a:fillRef>
+          <a:effectRef idx="0">
+            <a:schemeClr val="accent1"/>
+          </a:effectRef>
+          <a:fontRef idx="minor">
+            <a:schemeClr val="lt1"/>
+          </a:fontRef>
+        </p:style>
+        <p:txBody>
+          <a:bodyPr rtlCol="0" anchor="ctr"/>
+          <a:lstStyle/>
+          <a:p>
+            <a:r>
+              <a:rPr lang="en-US" sz="1100" b="1" dirty="0" smtClean="0">
+                <a:solidFill>
+                  <a:schemeClr val="tx1"/>
+                </a:solidFill>
+              </a:rPr>
+              <a:t>Wheel speed Sensor</a:t>
+            </a:r>
+            <a:endParaRPr lang="en-US" sz="1100" b="1" dirty="0">
+              <a:solidFill>
+                <a:schemeClr val="tx1"/>
+              </a:solidFill>
+            </a:endParaRPr>
+          </a:p>
+        </p:txBody>
+      </p:sp>
+      <p:cxnSp>
+        <p:nvCxnSpPr>
+          <p:cNvPr id="9" name="Straight Arrow Connector 8"/>
+          <p:cNvCxnSpPr/>
+          <p:nvPr/>
+        </p:nvCxnSpPr>
+        <p:spPr>
+          <a:xfrm>
+            <a:off x="2286000" y="4114800"/>
+            <a:ext cx="990600" cy="0"/>
+          </a:xfrm>
+          <a:prstGeom prst="straightConnector1">
+            <a:avLst/>
+          </a:prstGeom>
+          <a:ln>
+            <a:tailEnd type="arrow"/>
+          </a:ln>
+        </p:spPr>
+        <p:style>
+          <a:lnRef idx="1">
+            <a:schemeClr val="accent1"/>
+          </a:lnRef>
+          <a:fillRef idx="0">
+            <a:schemeClr val="accent1"/>
+          </a:fillRef>
+          <a:effectRef idx="0">
+            <a:schemeClr val="accent1"/>
+          </a:effectRef>
+          <a:fontRef idx="minor">
+            <a:schemeClr val="tx1"/>
+          </a:fontRef>
+        </p:style>
+      </p:cxnSp>
+      <p:sp>
+        <p:nvSpPr>
+          <p:cNvPr id="16" name="Rectangle 15"/>
+          <p:cNvSpPr/>
+          <p:nvPr/>
+        </p:nvSpPr>
+        <p:spPr>
+          <a:xfrm>
+            <a:off x="381000" y="1905000"/>
+            <a:ext cx="1905000" cy="304800"/>
+          </a:xfrm>
+          <a:prstGeom prst="rect">
+            <a:avLst/>
+          </a:prstGeom>
+          <a:noFill/>
+        </p:spPr>
+        <p:style>
+          <a:lnRef idx="2">
+            <a:schemeClr val="accent1">
+              <a:shade val="50000"/>
+            </a:schemeClr>
+          </a:lnRef>
+          <a:fillRef idx="1">
+            <a:schemeClr val="accent1"/>
+          </a:fillRef>
+          <a:effectRef idx="0">
+            <a:schemeClr val="accent1"/>
+          </a:effectRef>
+          <a:fontRef idx="minor">
+            <a:schemeClr val="lt1"/>
+          </a:fontRef>
+        </p:style>
+        <p:txBody>
+          <a:bodyPr rtlCol="0" anchor="ctr"/>
+          <a:lstStyle/>
+          <a:p>
+            <a:r>
+              <a:rPr lang="en-US" sz="1100" b="1" dirty="0" smtClean="0">
+                <a:solidFill>
+                  <a:schemeClr val="tx1"/>
+                </a:solidFill>
+              </a:rPr>
+              <a:t>Brake switch</a:t>
+            </a:r>
+            <a:endParaRPr lang="en-US" sz="1100" b="1" dirty="0">
+              <a:solidFill>
+                <a:schemeClr val="tx1"/>
+              </a:solidFill>
+            </a:endParaRPr>
+          </a:p>
+        </p:txBody>
+      </p:sp>
+      <p:cxnSp>
+        <p:nvCxnSpPr>
+          <p:cNvPr id="17" name="Straight Arrow Connector 16"/>
+          <p:cNvCxnSpPr>
+            <a:stCxn id="16" idx="3"/>
+          </p:cNvCxnSpPr>
+          <p:nvPr/>
+        </p:nvCxnSpPr>
+        <p:spPr>
+          <a:xfrm>
+            <a:off x="2286000" y="2057400"/>
+            <a:ext cx="990600" cy="0"/>
+          </a:xfrm>
+          <a:prstGeom prst="straightConnector1">
+            <a:avLst/>
+          </a:prstGeom>
+          <a:ln>
+            <a:tailEnd type="arrow"/>
+          </a:ln>
+        </p:spPr>
+        <p:style>
+          <a:lnRef idx="1">
+            <a:schemeClr val="accent1"/>
+          </a:lnRef>
+          <a:fillRef idx="0">
+            <a:schemeClr val="accent1"/>
+          </a:fillRef>
+          <a:effectRef idx="0">
+            <a:schemeClr val="accent1"/>
+          </a:effectRef>
+          <a:fontRef idx="minor">
+            <a:schemeClr val="tx1"/>
+          </a:fontRef>
+        </p:style>
+      </p:cxnSp>
+      <p:sp>
+        <p:nvSpPr>
+          <p:cNvPr id="20" name="Rectangle 19"/>
+          <p:cNvSpPr/>
+          <p:nvPr/>
+        </p:nvSpPr>
+        <p:spPr>
+          <a:xfrm>
+            <a:off x="5867400" y="4038600"/>
+            <a:ext cx="1905000" cy="304800"/>
+          </a:xfrm>
+          <a:prstGeom prst="rect">
+            <a:avLst/>
+          </a:prstGeom>
+          <a:noFill/>
+        </p:spPr>
+        <p:style>
+          <a:lnRef idx="2">
+            <a:schemeClr val="accent1">
+              <a:shade val="50000"/>
+            </a:schemeClr>
+          </a:lnRef>
+          <a:fillRef idx="1">
+            <a:schemeClr val="accent1"/>
+          </a:fillRef>
+          <a:effectRef idx="0">
+            <a:schemeClr val="accent1"/>
+          </a:effectRef>
+          <a:fontRef idx="minor">
+            <a:schemeClr val="lt1"/>
+          </a:fontRef>
+        </p:style>
+        <p:txBody>
+          <a:bodyPr rtlCol="0" anchor="ctr"/>
+          <a:lstStyle/>
+          <a:p>
+            <a:pPr algn="ctr"/>
+            <a:r>
+              <a:rPr lang="en-US" sz="1100" dirty="0" smtClean="0">
+                <a:solidFill>
+                  <a:schemeClr val="tx1">
+                    <a:lumMod val="50000"/>
+                    <a:lumOff val="50000"/>
+                  </a:schemeClr>
+                </a:solidFill>
+              </a:rPr>
+              <a:t>Actuator Solenoid</a:t>
+            </a:r>
+            <a:endParaRPr lang="en-US" sz="1100" dirty="0">
+              <a:solidFill>
+                <a:schemeClr val="tx1">
+                  <a:lumMod val="50000"/>
+                  <a:lumOff val="50000"/>
+                </a:schemeClr>
+              </a:solidFill>
+            </a:endParaRPr>
+          </a:p>
+        </p:txBody>
+      </p:sp>
+      <p:cxnSp>
+        <p:nvCxnSpPr>
+          <p:cNvPr id="21" name="Straight Arrow Connector 20"/>
+          <p:cNvCxnSpPr>
+            <a:endCxn id="20" idx="1"/>
+          </p:cNvCxnSpPr>
+          <p:nvPr/>
+        </p:nvCxnSpPr>
+        <p:spPr>
+          <a:xfrm>
+            <a:off x="5181600" y="4191000"/>
+            <a:ext cx="685800" cy="0"/>
+          </a:xfrm>
+          <a:prstGeom prst="straightConnector1">
+            <a:avLst/>
+          </a:prstGeom>
+          <a:ln>
+            <a:tailEnd type="arrow"/>
+          </a:ln>
+        </p:spPr>
+        <p:style>
+          <a:lnRef idx="1">
+            <a:schemeClr val="accent1"/>
+          </a:lnRef>
+          <a:fillRef idx="0">
+            <a:schemeClr val="accent1"/>
+          </a:fillRef>
+          <a:effectRef idx="0">
+            <a:schemeClr val="accent1"/>
+          </a:effectRef>
+          <a:fontRef idx="minor">
+            <a:schemeClr val="tx1"/>
+          </a:fontRef>
+        </p:style>
+      </p:cxnSp>
+      <p:sp>
+        <p:nvSpPr>
+          <p:cNvPr id="22" name="Rectangle 21"/>
+          <p:cNvSpPr/>
+          <p:nvPr/>
+        </p:nvSpPr>
+        <p:spPr>
+          <a:xfrm>
+            <a:off x="5867400" y="4419600"/>
+            <a:ext cx="1905000" cy="304800"/>
+          </a:xfrm>
+          <a:prstGeom prst="rect">
+            <a:avLst/>
+          </a:prstGeom>
+          <a:noFill/>
+        </p:spPr>
+        <p:style>
+          <a:lnRef idx="2">
+            <a:schemeClr val="accent1">
+              <a:shade val="50000"/>
+            </a:schemeClr>
+          </a:lnRef>
+          <a:fillRef idx="1">
+            <a:schemeClr val="accent1"/>
+          </a:fillRef>
+          <a:effectRef idx="0">
+            <a:schemeClr val="accent1"/>
+          </a:effectRef>
+          <a:fontRef idx="minor">
+            <a:schemeClr val="lt1"/>
+          </a:fontRef>
+        </p:style>
+        <p:txBody>
+          <a:bodyPr rtlCol="0" anchor="ctr"/>
+          <a:lstStyle/>
+          <a:p>
+            <a:pPr algn="ctr"/>
+            <a:r>
+              <a:rPr lang="en-US" sz="1100" dirty="0" smtClean="0">
+                <a:solidFill>
+                  <a:schemeClr val="tx1">
+                    <a:lumMod val="50000"/>
+                    <a:lumOff val="50000"/>
+                  </a:schemeClr>
+                </a:solidFill>
+              </a:rPr>
+              <a:t>Actuator pump motor</a:t>
+            </a:r>
+            <a:endParaRPr lang="en-US" sz="1100" dirty="0">
+              <a:solidFill>
+                <a:schemeClr val="tx1">
+                  <a:lumMod val="50000"/>
+                  <a:lumOff val="50000"/>
+                </a:schemeClr>
+              </a:solidFill>
+            </a:endParaRPr>
+          </a:p>
+        </p:txBody>
+      </p:sp>
+      <p:cxnSp>
+        <p:nvCxnSpPr>
+          <p:cNvPr id="23" name="Straight Arrow Connector 22"/>
+          <p:cNvCxnSpPr>
+            <a:endCxn id="22" idx="1"/>
+          </p:cNvCxnSpPr>
+          <p:nvPr/>
+        </p:nvCxnSpPr>
+        <p:spPr>
+          <a:xfrm>
+            <a:off x="5181600" y="4572000"/>
+            <a:ext cx="685800" cy="0"/>
+          </a:xfrm>
+          <a:prstGeom prst="straightConnector1">
+            <a:avLst/>
+          </a:prstGeom>
+          <a:ln>
+            <a:tailEnd type="arrow"/>
+          </a:ln>
+        </p:spPr>
+        <p:style>
+          <a:lnRef idx="1">
+            <a:schemeClr val="accent1"/>
+          </a:lnRef>
+          <a:fillRef idx="0">
+            <a:schemeClr val="accent1"/>
+          </a:fillRef>
+          <a:effectRef idx="0">
+            <a:schemeClr val="accent1"/>
+          </a:effectRef>
+          <a:fontRef idx="minor">
+            <a:schemeClr val="tx1"/>
+          </a:fontRef>
+        </p:style>
+      </p:cxnSp>
+      <p:sp>
+        <p:nvSpPr>
+          <p:cNvPr id="26" name="TextBox 25"/>
+          <p:cNvSpPr txBox="1">
+            <a:spLocks/>
+          </p:cNvSpPr>
+          <p:nvPr/>
+        </p:nvSpPr>
+        <p:spPr>
+          <a:xfrm>
+            <a:off x="3276600" y="3886200"/>
+            <a:ext cx="1905000" cy="954107"/>
+          </a:xfrm>
+          <a:prstGeom prst="rect">
+            <a:avLst/>
+          </a:prstGeom>
+          <a:solidFill>
+            <a:schemeClr val="accent2">
+              <a:lumMod val="60000"/>
+              <a:lumOff val="40000"/>
+            </a:schemeClr>
+          </a:solidFill>
+          <a:ln>
+            <a:solidFill>
+              <a:schemeClr val="tx1"/>
+            </a:solidFill>
+          </a:ln>
+        </p:spPr>
+        <p:txBody>
+          <a:bodyPr wrap="square" rtlCol="0">
+            <a:spAutoFit/>
+          </a:bodyPr>
+          <a:lstStyle>
+            <a:defPPr>
+              <a:defRPr lang="en-US"/>
+            </a:defPPr>
+            <a:lvl1pPr>
+              <a:defRPr sz="1400"/>
+            </a:lvl1pPr>
+          </a:lstStyle>
+          <a:p>
+            <a:r>
+              <a:rPr lang="en-GB" dirty="0" smtClean="0"/>
+              <a:t>ABS</a:t>
+            </a:r>
+            <a:endParaRPr lang="en-GB" dirty="0"/>
+          </a:p>
+          <a:p>
+            <a:endParaRPr lang="en-GB" dirty="0"/>
+          </a:p>
+          <a:p>
+            <a:endParaRPr lang="en-GB" dirty="0"/>
+          </a:p>
+          <a:p>
+            <a:endParaRPr lang="en-GB" dirty="0"/>
+          </a:p>
+        </p:txBody>
+      </p:sp>
+    </p:spTree>
+    <p:extLst>
+      <p:ext uri="{BB962C8B-B14F-4D97-AF65-F5344CB8AC3E}">
+        <p14:creationId xmlns:p14="http://schemas.microsoft.com/office/powerpoint/2010/main" val="3957662749"/>
+      </p:ext>
+    </p:extLst>
+  </p:cSld>
+  <p:clrMapOvr>
+    <a:masterClrMapping/>
+  </p:clrMapOvr>
+</p:sld>
+</file>
+
+<file path=ppt/slides/slide6.xml><?xml version="1.0" encoding="utf-8"?>
+<p:sld xmlns:a="http://schemas.openxmlformats.org/drawingml/2006/main" xmlns:r="http://schemas.openxmlformats.org/officeDocument/2006/relationships" xmlns:p="http://schemas.openxmlformats.org/presentationml/2006/main">
+  <p:cSld>
+    <p:spTree>
+      <p:nvGrpSpPr>
+        <p:cNvPr id="1" name=""/>
+        <p:cNvGrpSpPr/>
+        <p:nvPr/>
+      </p:nvGrpSpPr>
+      <p:grpSpPr>
+        <a:xfrm>
+          <a:off x="0" y="0"/>
+          <a:ext cx="0" cy="0"/>
+          <a:chOff x="0" y="0"/>
+          <a:chExt cx="0" cy="0"/>
+        </a:xfrm>
+      </p:grpSpPr>
+      <p:sp>
+        <p:nvSpPr>
+          <p:cNvPr id="2" name="Title 1"/>
+          <p:cNvSpPr>
+            <a:spLocks noGrp="1"/>
+          </p:cNvSpPr>
+          <p:nvPr>
+            <p:ph type="title"/>
+          </p:nvPr>
+        </p:nvSpPr>
+        <p:spPr/>
+        <p:txBody>
+          <a:bodyPr/>
+          <a:lstStyle/>
+          <a:p>
+            <a:r>
+              <a:rPr lang="en-US" dirty="0" smtClean="0"/>
+              <a:t>Sensors</a:t>
+            </a:r>
+            <a:endParaRPr lang="en-US" dirty="0"/>
+          </a:p>
+        </p:txBody>
+      </p:sp>
+      <p:graphicFrame>
+        <p:nvGraphicFramePr>
+          <p:cNvPr id="4" name="Table 3"/>
+          <p:cNvGraphicFramePr>
+            <a:graphicFrameLocks noGrp="1"/>
+          </p:cNvGraphicFramePr>
+          <p:nvPr>
+            <p:extLst>
+              <p:ext uri="{D42A27DB-BD31-4B8C-83A1-F6EECF244321}">
+                <p14:modId xmlns:p14="http://schemas.microsoft.com/office/powerpoint/2010/main" val="1171920782"/>
+              </p:ext>
+            </p:extLst>
+          </p:nvPr>
+        </p:nvGraphicFramePr>
+        <p:xfrm>
+          <a:off x="1524000" y="1397000"/>
+          <a:ext cx="6096000" cy="1473200"/>
+        </p:xfrm>
+        <a:graphic>
+          <a:graphicData uri="http://schemas.openxmlformats.org/drawingml/2006/table">
+            <a:tbl>
+              <a:tblPr firstRow="1" bandRow="1">
+                <a:tableStyleId>{5C22544A-7EE6-4342-B048-85BDC9FD1C3A}</a:tableStyleId>
+              </a:tblPr>
+              <a:tblGrid>
+                <a:gridCol w="2667000"/>
+                <a:gridCol w="1397000"/>
+                <a:gridCol w="2032000"/>
+              </a:tblGrid>
+              <a:tr h="370840">
+                <a:tc>
+                  <a:txBody>
+                    <a:bodyPr/>
+                    <a:lstStyle/>
+                    <a:p>
+                      <a:r>
+                        <a:rPr lang="en-US" dirty="0" smtClean="0"/>
+                        <a:t>Sensor</a:t>
+                      </a:r>
+                      <a:endParaRPr lang="en-US" dirty="0"/>
+                    </a:p>
+                  </a:txBody>
+                  <a:tcPr/>
+                </a:tc>
+                <a:tc>
+                  <a:txBody>
+                    <a:bodyPr/>
+                    <a:lstStyle/>
+                    <a:p>
+                      <a:pPr algn="ctr"/>
+                      <a:r>
+                        <a:rPr lang="en-US" dirty="0" smtClean="0"/>
+                        <a:t>ECU</a:t>
+                      </a:r>
+                      <a:endParaRPr lang="en-US" dirty="0"/>
+                    </a:p>
+                  </a:txBody>
+                  <a:tcPr/>
+                </a:tc>
+                <a:tc>
+                  <a:txBody>
+                    <a:bodyPr/>
+                    <a:lstStyle/>
+                    <a:p>
+                      <a:r>
+                        <a:rPr lang="en-US" dirty="0" smtClean="0"/>
+                        <a:t>Connectivity </a:t>
+                      </a:r>
+                      <a:endParaRPr lang="en-US" dirty="0"/>
+                    </a:p>
+                  </a:txBody>
+                  <a:tcPr/>
+                </a:tc>
+              </a:tr>
+              <a:tr h="370840">
+                <a:tc>
+                  <a:txBody>
+                    <a:bodyPr/>
+                    <a:lstStyle/>
+                    <a:p>
+                      <a:r>
+                        <a:rPr lang="en-US" dirty="0" smtClean="0"/>
+                        <a:t>Brake pedal sensor</a:t>
+                      </a:r>
+                      <a:endParaRPr lang="en-US" dirty="0"/>
+                    </a:p>
+                  </a:txBody>
+                  <a:tcPr/>
+                </a:tc>
+                <a:tc>
+                  <a:txBody>
+                    <a:bodyPr/>
+                    <a:lstStyle/>
+                    <a:p>
+                      <a:pPr algn="ctr"/>
+                      <a:r>
+                        <a:rPr lang="en-US" dirty="0" smtClean="0"/>
+                        <a:t>EBM</a:t>
+                      </a:r>
+                      <a:endParaRPr lang="en-US" dirty="0"/>
+                    </a:p>
+                  </a:txBody>
+                  <a:tcPr/>
+                </a:tc>
+                <a:tc>
+                  <a:txBody>
+                    <a:bodyPr/>
+                    <a:lstStyle/>
+                    <a:p>
+                      <a:r>
+                        <a:rPr lang="en-US" sz="1400" dirty="0" smtClean="0"/>
+                        <a:t>Input</a:t>
+                      </a:r>
+                      <a:r>
+                        <a:rPr lang="en-US" sz="1400" baseline="0" dirty="0" smtClean="0"/>
+                        <a:t> (python UI)</a:t>
+                      </a:r>
+                      <a:endParaRPr lang="en-US" sz="1400" dirty="0"/>
+                    </a:p>
+                  </a:txBody>
+                  <a:tcPr/>
+                </a:tc>
+              </a:tr>
+              <a:tr h="370840">
+                <a:tc>
+                  <a:txBody>
+                    <a:bodyPr/>
+                    <a:lstStyle/>
+                    <a:p>
+                      <a:r>
+                        <a:rPr lang="en-US" dirty="0" smtClean="0"/>
+                        <a:t>wheel speed</a:t>
+                      </a:r>
+                      <a:r>
+                        <a:rPr lang="en-US" baseline="0" dirty="0" smtClean="0"/>
+                        <a:t> sensors (4)</a:t>
+                      </a:r>
+                      <a:endParaRPr lang="en-US" dirty="0"/>
+                    </a:p>
+                  </a:txBody>
+                  <a:tcPr/>
+                </a:tc>
+                <a:tc>
+                  <a:txBody>
+                    <a:bodyPr/>
+                    <a:lstStyle/>
+                    <a:p>
+                      <a:pPr algn="ctr"/>
+                      <a:r>
+                        <a:rPr lang="en-US" dirty="0" smtClean="0"/>
+                        <a:t>ABS (4)</a:t>
+                      </a:r>
+                      <a:endParaRPr lang="en-US" dirty="0"/>
+                    </a:p>
+                  </a:txBody>
+                  <a:tcPr/>
+                </a:tc>
+                <a:tc>
+                  <a:txBody>
+                    <a:bodyPr/>
+                    <a:lstStyle/>
+                    <a:p>
+                      <a:r>
+                        <a:rPr lang="en-US" sz="1400" dirty="0" smtClean="0"/>
+                        <a:t>Calculated based on the Brake torque + some environment</a:t>
+                      </a:r>
+                      <a:r>
+                        <a:rPr lang="en-US" sz="1400" baseline="0" dirty="0" smtClean="0"/>
+                        <a:t> model</a:t>
+                      </a:r>
+                      <a:endParaRPr lang="en-US" sz="1400" dirty="0"/>
+                    </a:p>
+                  </a:txBody>
+                  <a:tcPr/>
+                </a:tc>
+              </a:tr>
+            </a:tbl>
+          </a:graphicData>
+        </a:graphic>
+      </p:graphicFrame>
+    </p:spTree>
+    <p:extLst>
+      <p:ext uri="{BB962C8B-B14F-4D97-AF65-F5344CB8AC3E}">
+        <p14:creationId xmlns:p14="http://schemas.microsoft.com/office/powerpoint/2010/main" val="1808414864"/>
+      </p:ext>
+    </p:extLst>
+  </p:cSld>
+  <p:clrMapOvr>
+    <a:masterClrMapping/>
+  </p:clrMapOvr>
+</p:sld>
+</file>
+
+<file path=ppt/slides/slide7.xml><?xml version="1.0" encoding="utf-8"?>
+<p:sld xmlns:a="http://schemas.openxmlformats.org/drawingml/2006/main" xmlns:r="http://schemas.openxmlformats.org/officeDocument/2006/relationships" xmlns:p="http://schemas.openxmlformats.org/presentationml/2006/main">
+  <p:cSld>
+    <p:spTree>
+      <p:nvGrpSpPr>
+        <p:cNvPr id="1" name=""/>
+        <p:cNvGrpSpPr/>
+        <p:nvPr/>
+      </p:nvGrpSpPr>
+      <p:grpSpPr>
+        <a:xfrm>
+          <a:off x="0" y="0"/>
+          <a:ext cx="0" cy="0"/>
+          <a:chOff x="0" y="0"/>
+          <a:chExt cx="0" cy="0"/>
+        </a:xfrm>
+      </p:grpSpPr>
+      <p:sp>
+        <p:nvSpPr>
+          <p:cNvPr id="2" name="Title 1"/>
+          <p:cNvSpPr>
+            <a:spLocks noGrp="1"/>
+          </p:cNvSpPr>
+          <p:nvPr>
+            <p:ph type="title"/>
+          </p:nvPr>
+        </p:nvSpPr>
+        <p:spPr/>
+        <p:txBody>
+          <a:bodyPr/>
+          <a:lstStyle/>
+          <a:p>
+            <a:r>
+              <a:rPr lang="en-US" dirty="0" smtClean="0"/>
+              <a:t>Network messages</a:t>
+            </a:r>
+            <a:endParaRPr lang="en-US" dirty="0"/>
+          </a:p>
+        </p:txBody>
+      </p:sp>
+      <p:graphicFrame>
+        <p:nvGraphicFramePr>
+          <p:cNvPr id="4" name="Table 3"/>
+          <p:cNvGraphicFramePr>
+            <a:graphicFrameLocks noGrp="1"/>
+          </p:cNvGraphicFramePr>
+          <p:nvPr>
+            <p:extLst>
+              <p:ext uri="{D42A27DB-BD31-4B8C-83A1-F6EECF244321}">
+                <p14:modId xmlns:p14="http://schemas.microsoft.com/office/powerpoint/2010/main" val="2507841448"/>
+              </p:ext>
+            </p:extLst>
+          </p:nvPr>
+        </p:nvGraphicFramePr>
+        <p:xfrm>
+          <a:off x="990600" y="1295400"/>
+          <a:ext cx="7315200" cy="4450080"/>
+        </p:xfrm>
+        <a:graphic>
+          <a:graphicData uri="http://schemas.openxmlformats.org/drawingml/2006/table">
+            <a:tbl>
+              <a:tblPr firstRow="1" bandRow="1">
+                <a:tableStyleId>{5C22544A-7EE6-4342-B048-85BDC9FD1C3A}</a:tableStyleId>
+              </a:tblPr>
+              <a:tblGrid>
+                <a:gridCol w="1295400"/>
+                <a:gridCol w="2895600"/>
+                <a:gridCol w="1295400"/>
+                <a:gridCol w="1828800"/>
+              </a:tblGrid>
+              <a:tr h="370840">
+                <a:tc>
+                  <a:txBody>
+                    <a:bodyPr/>
+                    <a:lstStyle/>
+                    <a:p>
+                      <a:pPr algn="ctr"/>
+                      <a:r>
+                        <a:rPr lang="en-US" dirty="0" smtClean="0"/>
+                        <a:t>ID</a:t>
+                      </a:r>
+                      <a:endParaRPr lang="en-US" dirty="0"/>
+                    </a:p>
+                  </a:txBody>
+                  <a:tcPr/>
+                </a:tc>
+                <a:tc>
+                  <a:txBody>
+                    <a:bodyPr/>
+                    <a:lstStyle/>
+                    <a:p>
+                      <a:r>
+                        <a:rPr lang="en-US" dirty="0" smtClean="0"/>
+                        <a:t>Signal</a:t>
+                      </a:r>
+                      <a:endParaRPr lang="en-US" dirty="0"/>
+                    </a:p>
+                  </a:txBody>
+                  <a:tcPr/>
+                </a:tc>
+                <a:tc>
+                  <a:txBody>
+                    <a:bodyPr/>
+                    <a:lstStyle/>
+                    <a:p>
+                      <a:r>
+                        <a:rPr lang="en-US" dirty="0" smtClean="0"/>
+                        <a:t>From</a:t>
+                      </a:r>
+                      <a:endParaRPr lang="en-US" dirty="0"/>
+                    </a:p>
+                  </a:txBody>
+                  <a:tcPr/>
+                </a:tc>
+                <a:tc>
+                  <a:txBody>
+                    <a:bodyPr/>
+                    <a:lstStyle/>
+                    <a:p>
+                      <a:r>
+                        <a:rPr lang="en-US" dirty="0" smtClean="0"/>
+                        <a:t>To</a:t>
+                      </a:r>
+                      <a:endParaRPr lang="en-US" dirty="0"/>
+                    </a:p>
+                  </a:txBody>
+                  <a:tcPr/>
+                </a:tc>
+              </a:tr>
+              <a:tr h="370840">
+                <a:tc>
+                  <a:txBody>
+                    <a:bodyPr/>
+                    <a:lstStyle/>
+                    <a:p>
+                      <a:pPr algn="ctr"/>
+                      <a:endParaRPr lang="en-US" dirty="0"/>
+                    </a:p>
+                  </a:txBody>
+                  <a:tcPr/>
+                </a:tc>
+                <a:tc>
+                  <a:txBody>
+                    <a:bodyPr/>
+                    <a:lstStyle/>
+                    <a:p>
+                      <a:endParaRPr lang="en-US" dirty="0"/>
+                    </a:p>
+                  </a:txBody>
+                  <a:tcPr/>
+                </a:tc>
+                <a:tc>
+                  <a:txBody>
+                    <a:bodyPr/>
+                    <a:lstStyle/>
+                    <a:p>
+                      <a:endParaRPr lang="en-US" dirty="0"/>
+                    </a:p>
+                  </a:txBody>
+                  <a:tcPr/>
+                </a:tc>
+                <a:tc>
+                  <a:txBody>
+                    <a:bodyPr/>
+                    <a:lstStyle/>
+                    <a:p>
+                      <a:endParaRPr lang="en-US" dirty="0"/>
+                    </a:p>
+                  </a:txBody>
+                  <a:tcPr/>
+                </a:tc>
+              </a:tr>
+              <a:tr h="370840">
+                <a:tc rowSpan="5">
+                  <a:txBody>
+                    <a:bodyPr/>
+                    <a:lstStyle/>
+                    <a:p>
+                      <a:pPr algn="ctr"/>
+                      <a:r>
+                        <a:rPr lang="en-US" dirty="0" smtClean="0"/>
+                        <a:t>15</a:t>
+                      </a:r>
+                      <a:endParaRPr lang="en-US" dirty="0"/>
+                    </a:p>
+                  </a:txBody>
+                  <a:tcPr/>
+                </a:tc>
+                <a:tc>
+                  <a:txBody>
+                    <a:bodyPr/>
+                    <a:lstStyle/>
+                    <a:p>
+                      <a:r>
+                        <a:rPr lang="en-US" dirty="0" smtClean="0"/>
+                        <a:t>Engine oil light warning</a:t>
+                      </a:r>
+                      <a:endParaRPr lang="en-US" dirty="0"/>
+                    </a:p>
+                  </a:txBody>
+                  <a:tcPr/>
+                </a:tc>
+                <a:tc>
+                  <a:txBody>
+                    <a:bodyPr/>
+                    <a:lstStyle/>
+                    <a:p>
+                      <a:r>
+                        <a:rPr lang="en-US" dirty="0" smtClean="0"/>
+                        <a:t>EMU</a:t>
+                      </a:r>
+                      <a:endParaRPr lang="en-US" dirty="0"/>
+                    </a:p>
+                  </a:txBody>
+                  <a:tcPr/>
+                </a:tc>
+                <a:tc>
+                  <a:txBody>
+                    <a:bodyPr/>
+                    <a:lstStyle/>
+                    <a:p>
+                      <a:r>
+                        <a:rPr lang="en-US" dirty="0" smtClean="0"/>
+                        <a:t>Cluster</a:t>
+                      </a:r>
+                      <a:endParaRPr lang="en-US" dirty="0"/>
+                    </a:p>
+                  </a:txBody>
+                  <a:tcPr/>
+                </a:tc>
+              </a:tr>
+              <a:tr h="370840">
+                <a:tc vMerge="1">
+                  <a:txBody>
+                    <a:bodyPr/>
+                    <a:lstStyle/>
+                    <a:p>
+                      <a:endParaRPr lang="en-US" dirty="0"/>
+                    </a:p>
+                  </a:txBody>
+                  <a:tcPr/>
+                </a:tc>
+                <a:tc>
+                  <a:txBody>
+                    <a:bodyPr/>
+                    <a:lstStyle/>
+                    <a:p>
+                      <a:r>
+                        <a:rPr lang="en-US" dirty="0" smtClean="0"/>
+                        <a:t>Fuel low</a:t>
+                      </a:r>
+                      <a:r>
+                        <a:rPr lang="en-US" baseline="0" dirty="0" smtClean="0"/>
+                        <a:t> warning</a:t>
+                      </a:r>
+                      <a:endParaRPr lang="en-US" dirty="0"/>
+                    </a:p>
+                  </a:txBody>
+                  <a:tcPr/>
+                </a:tc>
+                <a:tc>
+                  <a:txBody>
+                    <a:bodyPr/>
+                    <a:lstStyle/>
+                    <a:p>
+                      <a:r>
+                        <a:rPr lang="en-US" dirty="0" smtClean="0"/>
+                        <a:t>EMU</a:t>
+                      </a:r>
+                      <a:endParaRPr lang="en-US" dirty="0"/>
+                    </a:p>
+                  </a:txBody>
+                  <a:tcPr/>
+                </a:tc>
+                <a:tc>
+                  <a:txBody>
+                    <a:bodyPr/>
+                    <a:lstStyle/>
+                    <a:p>
+                      <a:r>
+                        <a:rPr lang="en-US" dirty="0" smtClean="0"/>
+                        <a:t>Cluster</a:t>
+                      </a:r>
+                      <a:endParaRPr lang="en-US" dirty="0"/>
+                    </a:p>
+                  </a:txBody>
+                  <a:tcPr/>
+                </a:tc>
+              </a:tr>
+              <a:tr h="370840">
+                <a:tc vMerge="1">
+                  <a:txBody>
+                    <a:bodyPr/>
+                    <a:lstStyle/>
+                    <a:p>
+                      <a:endParaRPr lang="en-US" dirty="0"/>
+                    </a:p>
+                  </a:txBody>
+                  <a:tcPr/>
+                </a:tc>
+                <a:tc>
+                  <a:txBody>
+                    <a:bodyPr/>
+                    <a:lstStyle/>
+                    <a:p>
+                      <a:r>
+                        <a:rPr lang="en-US" dirty="0" smtClean="0"/>
+                        <a:t>RPM</a:t>
+                      </a:r>
+                      <a:endParaRPr lang="en-US" dirty="0"/>
+                    </a:p>
+                  </a:txBody>
+                  <a:tcPr/>
+                </a:tc>
+                <a:tc>
+                  <a:txBody>
+                    <a:bodyPr/>
+                    <a:lstStyle/>
+                    <a:p>
+                      <a:r>
+                        <a:rPr lang="en-US" dirty="0" smtClean="0"/>
+                        <a:t>EMU</a:t>
+                      </a:r>
+                      <a:endParaRPr lang="en-US" dirty="0"/>
+                    </a:p>
+                  </a:txBody>
+                  <a:tcPr/>
+                </a:tc>
+                <a:tc>
+                  <a:txBody>
+                    <a:bodyPr/>
+                    <a:lstStyle/>
+                    <a:p>
+                      <a:r>
+                        <a:rPr lang="en-US" dirty="0" smtClean="0"/>
+                        <a:t>Cluster</a:t>
+                      </a:r>
+                      <a:endParaRPr lang="en-US" dirty="0"/>
+                    </a:p>
+                  </a:txBody>
+                  <a:tcPr/>
+                </a:tc>
+              </a:tr>
+              <a:tr h="370840">
+                <a:tc vMerge="1">
+                  <a:txBody>
+                    <a:bodyPr/>
+                    <a:lstStyle/>
+                    <a:p>
+                      <a:endParaRPr lang="en-US" dirty="0"/>
+                    </a:p>
+                  </a:txBody>
+                  <a:tcPr/>
+                </a:tc>
+                <a:tc>
+                  <a:txBody>
+                    <a:bodyPr/>
+                    <a:lstStyle/>
+                    <a:p>
+                      <a:r>
+                        <a:rPr lang="en-US" dirty="0" smtClean="0"/>
+                        <a:t>Engine coolant</a:t>
+                      </a:r>
+                      <a:r>
+                        <a:rPr lang="en-US" baseline="0" dirty="0" smtClean="0"/>
+                        <a:t> temperature</a:t>
+                      </a:r>
+                      <a:endParaRPr lang="en-US" dirty="0"/>
+                    </a:p>
+                  </a:txBody>
+                  <a:tcPr/>
+                </a:tc>
+                <a:tc>
+                  <a:txBody>
+                    <a:bodyPr/>
+                    <a:lstStyle/>
+                    <a:p>
+                      <a:r>
+                        <a:rPr lang="en-US" dirty="0" smtClean="0"/>
+                        <a:t>EMU</a:t>
+                      </a:r>
+                      <a:endParaRPr lang="en-US" dirty="0"/>
+                    </a:p>
+                  </a:txBody>
+                  <a:tcPr/>
+                </a:tc>
+                <a:tc>
+                  <a:txBody>
+                    <a:bodyPr/>
+                    <a:lstStyle/>
+                    <a:p>
+                      <a:r>
+                        <a:rPr lang="en-US" dirty="0" smtClean="0"/>
+                        <a:t>Cluster</a:t>
+                      </a:r>
+                      <a:endParaRPr lang="en-US" dirty="0"/>
+                    </a:p>
+                  </a:txBody>
+                  <a:tcPr/>
+                </a:tc>
+              </a:tr>
+              <a:tr h="370840">
+                <a:tc vMerge="1">
+                  <a:txBody>
+                    <a:bodyPr/>
+                    <a:lstStyle/>
+                    <a:p>
+                      <a:pPr algn="ctr"/>
+                      <a:endParaRPr lang="en-US" dirty="0"/>
+                    </a:p>
+                  </a:txBody>
+                  <a:tcPr/>
+                </a:tc>
+                <a:tc>
+                  <a:txBody>
+                    <a:bodyPr/>
+                    <a:lstStyle/>
+                    <a:p>
+                      <a:endParaRPr lang="en-US"/>
+                    </a:p>
+                  </a:txBody>
+                  <a:tcPr/>
+                </a:tc>
+                <a:tc>
+                  <a:txBody>
+                    <a:bodyPr/>
+                    <a:lstStyle/>
+                    <a:p>
+                      <a:endParaRPr lang="en-US"/>
+                    </a:p>
+                  </a:txBody>
+                  <a:tcPr/>
+                </a:tc>
+                <a:tc>
+                  <a:txBody>
+                    <a:bodyPr/>
+                    <a:lstStyle/>
+                    <a:p>
+                      <a:endParaRPr lang="en-US" dirty="0"/>
+                    </a:p>
+                  </a:txBody>
+                  <a:tcPr/>
+                </a:tc>
+              </a:tr>
+              <a:tr h="370840">
+                <a:tc rowSpan="3">
+                  <a:txBody>
+                    <a:bodyPr/>
+                    <a:lstStyle/>
+                    <a:p>
+                      <a:pPr algn="ctr"/>
+                      <a:r>
+                        <a:rPr lang="en-US" dirty="0" smtClean="0"/>
+                        <a:t>16</a:t>
+                      </a:r>
+                      <a:endParaRPr lang="en-US" dirty="0"/>
+                    </a:p>
+                  </a:txBody>
+                  <a:tcPr/>
+                </a:tc>
+                <a:tc>
+                  <a:txBody>
+                    <a:bodyPr/>
+                    <a:lstStyle/>
+                    <a:p>
+                      <a:r>
+                        <a:rPr lang="en-US" dirty="0" smtClean="0"/>
+                        <a:t>ABS warning light</a:t>
+                      </a:r>
+                      <a:endParaRPr lang="en-US" dirty="0"/>
+                    </a:p>
+                  </a:txBody>
+                  <a:tcPr/>
+                </a:tc>
+                <a:tc>
+                  <a:txBody>
+                    <a:bodyPr/>
+                    <a:lstStyle/>
+                    <a:p>
+                      <a:r>
+                        <a:rPr lang="en-US" dirty="0" smtClean="0"/>
+                        <a:t>EBM</a:t>
+                      </a:r>
+                      <a:endParaRPr lang="en-US" dirty="0"/>
+                    </a:p>
+                  </a:txBody>
+                  <a:tcPr/>
+                </a:tc>
+                <a:tc>
+                  <a:txBody>
+                    <a:bodyPr/>
+                    <a:lstStyle/>
+                    <a:p>
+                      <a:r>
+                        <a:rPr lang="en-US" dirty="0" smtClean="0"/>
+                        <a:t>Cluster</a:t>
+                      </a:r>
+                      <a:endParaRPr lang="en-US" dirty="0"/>
+                    </a:p>
+                  </a:txBody>
+                  <a:tcPr/>
+                </a:tc>
+              </a:tr>
+              <a:tr h="370840">
+                <a:tc vMerge="1">
+                  <a:txBody>
+                    <a:bodyPr/>
+                    <a:lstStyle/>
+                    <a:p>
+                      <a:pPr algn="ctr"/>
+                      <a:endParaRPr lang="en-US" dirty="0"/>
+                    </a:p>
+                  </a:txBody>
+                  <a:tcPr/>
+                </a:tc>
+                <a:tc>
+                  <a:txBody>
+                    <a:bodyPr/>
+                    <a:lstStyle/>
+                    <a:p>
+                      <a:r>
+                        <a:rPr lang="en-US" dirty="0" smtClean="0"/>
+                        <a:t>Vehicle</a:t>
+                      </a:r>
+                      <a:r>
+                        <a:rPr lang="en-US" baseline="0" dirty="0" smtClean="0"/>
+                        <a:t> Speed</a:t>
+                      </a:r>
+                      <a:endParaRPr lang="en-US" dirty="0"/>
+                    </a:p>
+                  </a:txBody>
+                  <a:tcPr/>
+                </a:tc>
+                <a:tc>
+                  <a:txBody>
+                    <a:bodyPr/>
+                    <a:lstStyle/>
+                    <a:p>
+                      <a:r>
+                        <a:rPr lang="en-US" dirty="0" smtClean="0"/>
+                        <a:t>EBM</a:t>
+                      </a:r>
+                      <a:endParaRPr lang="en-US" dirty="0"/>
+                    </a:p>
+                  </a:txBody>
+                  <a:tcPr/>
+                </a:tc>
+                <a:tc>
+                  <a:txBody>
+                    <a:bodyPr/>
+                    <a:lstStyle/>
+                    <a:p>
+                      <a:r>
+                        <a:rPr lang="en-US" dirty="0" smtClean="0"/>
+                        <a:t>Cluster</a:t>
+                      </a:r>
+                      <a:endParaRPr lang="en-US" dirty="0"/>
+                    </a:p>
+                  </a:txBody>
+                  <a:tcPr/>
+                </a:tc>
+              </a:tr>
+              <a:tr h="370840">
+                <a:tc vMerge="1">
+                  <a:txBody>
+                    <a:bodyPr/>
+                    <a:lstStyle/>
+                    <a:p>
+                      <a:pPr algn="ctr"/>
+                      <a:endParaRPr lang="en-US" dirty="0"/>
+                    </a:p>
+                  </a:txBody>
+                  <a:tcPr/>
+                </a:tc>
+                <a:tc>
+                  <a:txBody>
+                    <a:bodyPr/>
+                    <a:lstStyle/>
+                    <a:p>
+                      <a:endParaRPr lang="en-US" dirty="0"/>
+                    </a:p>
+                  </a:txBody>
+                  <a:tcPr/>
+                </a:tc>
+                <a:tc>
+                  <a:txBody>
+                    <a:bodyPr/>
+                    <a:lstStyle/>
+                    <a:p>
+                      <a:endParaRPr lang="en-US" dirty="0"/>
+                    </a:p>
+                  </a:txBody>
+                  <a:tcPr/>
+                </a:tc>
+                <a:tc>
+                  <a:txBody>
+                    <a:bodyPr/>
+                    <a:lstStyle/>
+                    <a:p>
+                      <a:endParaRPr lang="en-US" dirty="0"/>
+                    </a:p>
+                  </a:txBody>
+                  <a:tcPr/>
+                </a:tc>
+              </a:tr>
+              <a:tr h="370840">
+                <a:tc>
+                  <a:txBody>
+                    <a:bodyPr/>
+                    <a:lstStyle/>
+                    <a:p>
+                      <a:pPr algn="ctr"/>
+                      <a:r>
+                        <a:rPr lang="en-US" dirty="0" smtClean="0"/>
+                        <a:t>9-12</a:t>
+                      </a:r>
+                      <a:endParaRPr lang="en-US" dirty="0"/>
+                    </a:p>
+                  </a:txBody>
+                  <a:tcPr/>
+                </a:tc>
+                <a:tc>
+                  <a:txBody>
+                    <a:bodyPr/>
+                    <a:lstStyle/>
+                    <a:p>
+                      <a:r>
+                        <a:rPr lang="en-US" dirty="0" smtClean="0"/>
+                        <a:t>Wheel</a:t>
+                      </a:r>
+                      <a:r>
+                        <a:rPr lang="en-US" baseline="0" dirty="0" smtClean="0"/>
+                        <a:t> Speeds</a:t>
+                      </a:r>
+                      <a:endParaRPr lang="en-US" dirty="0"/>
+                    </a:p>
+                  </a:txBody>
+                  <a:tcPr/>
+                </a:tc>
+                <a:tc>
+                  <a:txBody>
+                    <a:bodyPr/>
+                    <a:lstStyle/>
+                    <a:p>
+                      <a:r>
+                        <a:rPr lang="en-US" dirty="0" smtClean="0"/>
+                        <a:t>ABS</a:t>
+                      </a:r>
+                      <a:r>
+                        <a:rPr lang="en-US" baseline="0" dirty="0" smtClean="0"/>
+                        <a:t> (1-4)</a:t>
+                      </a:r>
+                      <a:endParaRPr lang="en-US" dirty="0"/>
+                    </a:p>
+                  </a:txBody>
+                  <a:tcPr/>
+                </a:tc>
+                <a:tc>
+                  <a:txBody>
+                    <a:bodyPr/>
+                    <a:lstStyle/>
+                    <a:p>
+                      <a:r>
+                        <a:rPr lang="en-US" dirty="0" smtClean="0"/>
+                        <a:t>EBM</a:t>
+                      </a:r>
+                      <a:endParaRPr lang="en-US" dirty="0"/>
+                    </a:p>
+                  </a:txBody>
+                  <a:tcPr/>
+                </a:tc>
+              </a:tr>
+              <a:tr h="370840">
+                <a:tc>
+                  <a:txBody>
+                    <a:bodyPr/>
+                    <a:lstStyle/>
+                    <a:p>
+                      <a:pPr algn="ctr"/>
+                      <a:r>
+                        <a:rPr lang="en-US" dirty="0" smtClean="0"/>
+                        <a:t>8</a:t>
+                      </a:r>
+                      <a:endParaRPr lang="en-US" dirty="0"/>
+                    </a:p>
+                  </a:txBody>
+                  <a:tcPr/>
+                </a:tc>
+                <a:tc>
+                  <a:txBody>
+                    <a:bodyPr/>
+                    <a:lstStyle/>
+                    <a:p>
+                      <a:r>
+                        <a:rPr lang="en-US" dirty="0" smtClean="0"/>
+                        <a:t>Wheel</a:t>
+                      </a:r>
+                      <a:r>
+                        <a:rPr lang="en-US" baseline="0" dirty="0" smtClean="0"/>
+                        <a:t> torque</a:t>
+                      </a:r>
+                      <a:endParaRPr lang="en-US" dirty="0"/>
+                    </a:p>
+                  </a:txBody>
+                  <a:tcPr/>
+                </a:tc>
+                <a:tc>
+                  <a:txBody>
+                    <a:bodyPr/>
+                    <a:lstStyle/>
+                    <a:p>
+                      <a:r>
+                        <a:rPr lang="en-US" dirty="0" smtClean="0"/>
+                        <a:t>EBM</a:t>
+                      </a:r>
+                      <a:endParaRPr lang="en-US" dirty="0"/>
+                    </a:p>
+                  </a:txBody>
+                  <a:tcPr/>
+                </a:tc>
+                <a:tc>
+                  <a:txBody>
+                    <a:bodyPr/>
+                    <a:lstStyle/>
+                    <a:p>
+                      <a:r>
+                        <a:rPr lang="en-US" dirty="0" smtClean="0"/>
+                        <a:t>ABS</a:t>
+                      </a:r>
+                      <a:endParaRPr lang="en-US" dirty="0"/>
+                    </a:p>
+                  </a:txBody>
+                  <a:tcPr/>
+                </a:tc>
+              </a:tr>
+            </a:tbl>
+          </a:graphicData>
+        </a:graphic>
+      </p:graphicFrame>
+    </p:spTree>
+    <p:extLst>
+      <p:ext uri="{BB962C8B-B14F-4D97-AF65-F5344CB8AC3E}">
+        <p14:creationId xmlns:p14="http://schemas.microsoft.com/office/powerpoint/2010/main" val="366807872"/>
       </p:ext>
     </p:extLst>
   </p:cSld>
